--- a/Presentation/07-HOL-AuthN and AuthZ patterns.pptx
+++ b/Presentation/07-HOL-AuthN and AuthZ patterns.pptx
@@ -6,15 +6,16 @@
     <p:sldMasterId id="2147484229" r:id="rId5"/>
   </p:sldMasterIdLst>
   <p:notesMasterIdLst>
-    <p:notesMasterId r:id="rId9"/>
+    <p:notesMasterId r:id="rId10"/>
   </p:notesMasterIdLst>
   <p:handoutMasterIdLst>
-    <p:handoutMasterId r:id="rId10"/>
+    <p:handoutMasterId r:id="rId11"/>
   </p:handoutMasterIdLst>
   <p:sldIdLst>
     <p:sldId id="256" r:id="rId6"/>
-    <p:sldId id="257" r:id="rId7"/>
-    <p:sldId id="258" r:id="rId8"/>
+    <p:sldId id="259" r:id="rId7"/>
+    <p:sldId id="257" r:id="rId8"/>
+    <p:sldId id="258" r:id="rId9"/>
   </p:sldIdLst>
   <p:sldSz cx="12436475" cy="6994525"/>
   <p:notesSz cx="6858000" cy="9144000"/>
@@ -122,7 +123,9 @@
           </p14:sldIdLst>
         </p14:section>
         <p14:section name="White Template" id="{5B0B8DFF-57E5-4D4B-BA72-542DF84B8E2F}">
-          <p14:sldIdLst/>
+          <p14:sldIdLst>
+            <p14:sldId id="259"/>
+          </p14:sldIdLst>
         </p14:section>
         <p14:section name="Color Template" id="{A073DAE3-B461-442F-A3D3-6642BD875E45}">
           <p14:sldIdLst>
@@ -181,6 +184,3452 @@
 <p1510:revInfo xmlns:a="http://schemas.openxmlformats.org/drawingml/2006/main" xmlns:r="http://schemas.openxmlformats.org/officeDocument/2006/relationships" xmlns:p1510="http://schemas.microsoft.com/office/powerpoint/2015/10/main"/>
 </file>
 
+<file path=ppt/diagrams/colors1.xml><?xml version="1.0" encoding="utf-8"?>
+<dgm:colorsDef xmlns:dgm="http://schemas.openxmlformats.org/drawingml/2006/diagram" xmlns:a="http://schemas.openxmlformats.org/drawingml/2006/main" uniqueId="urn:microsoft.com/office/officeart/2005/8/colors/accent1_2">
+  <dgm:title val=""/>
+  <dgm:desc val=""/>
+  <dgm:catLst>
+    <dgm:cat type="accent1" pri="11200"/>
+  </dgm:catLst>
+  <dgm:styleLbl name="node0">
+    <dgm:fillClrLst meth="repeat">
+      <a:schemeClr val="accent1"/>
+    </dgm:fillClrLst>
+    <dgm:linClrLst meth="repeat">
+      <a:schemeClr val="lt1"/>
+    </dgm:linClrLst>
+    <dgm:effectClrLst/>
+    <dgm:txLinClrLst/>
+    <dgm:txFillClrLst/>
+    <dgm:txEffectClrLst/>
+  </dgm:styleLbl>
+  <dgm:styleLbl name="alignNode1">
+    <dgm:fillClrLst meth="repeat">
+      <a:schemeClr val="accent1"/>
+    </dgm:fillClrLst>
+    <dgm:linClrLst meth="repeat">
+      <a:schemeClr val="accent1"/>
+    </dgm:linClrLst>
+    <dgm:effectClrLst/>
+    <dgm:txLinClrLst/>
+    <dgm:txFillClrLst/>
+    <dgm:txEffectClrLst/>
+  </dgm:styleLbl>
+  <dgm:styleLbl name="node1">
+    <dgm:fillClrLst meth="repeat">
+      <a:schemeClr val="accent1"/>
+    </dgm:fillClrLst>
+    <dgm:linClrLst meth="repeat">
+      <a:schemeClr val="lt1"/>
+    </dgm:linClrLst>
+    <dgm:effectClrLst/>
+    <dgm:txLinClrLst/>
+    <dgm:txFillClrLst/>
+    <dgm:txEffectClrLst/>
+  </dgm:styleLbl>
+  <dgm:styleLbl name="lnNode1">
+    <dgm:fillClrLst meth="repeat">
+      <a:schemeClr val="accent1"/>
+    </dgm:fillClrLst>
+    <dgm:linClrLst meth="repeat">
+      <a:schemeClr val="lt1"/>
+    </dgm:linClrLst>
+    <dgm:effectClrLst/>
+    <dgm:txLinClrLst/>
+    <dgm:txFillClrLst/>
+    <dgm:txEffectClrLst/>
+  </dgm:styleLbl>
+  <dgm:styleLbl name="vennNode1">
+    <dgm:fillClrLst meth="repeat">
+      <a:schemeClr val="accent1">
+        <a:alpha val="50000"/>
+      </a:schemeClr>
+    </dgm:fillClrLst>
+    <dgm:linClrLst meth="repeat">
+      <a:schemeClr val="lt1"/>
+    </dgm:linClrLst>
+    <dgm:effectClrLst/>
+    <dgm:txLinClrLst/>
+    <dgm:txFillClrLst/>
+    <dgm:txEffectClrLst/>
+  </dgm:styleLbl>
+  <dgm:styleLbl name="node2">
+    <dgm:fillClrLst meth="repeat">
+      <a:schemeClr val="accent1"/>
+    </dgm:fillClrLst>
+    <dgm:linClrLst meth="repeat">
+      <a:schemeClr val="lt1"/>
+    </dgm:linClrLst>
+    <dgm:effectClrLst/>
+    <dgm:txLinClrLst/>
+    <dgm:txFillClrLst/>
+    <dgm:txEffectClrLst/>
+  </dgm:styleLbl>
+  <dgm:styleLbl name="node3">
+    <dgm:fillClrLst meth="repeat">
+      <a:schemeClr val="accent1"/>
+    </dgm:fillClrLst>
+    <dgm:linClrLst meth="repeat">
+      <a:schemeClr val="lt1"/>
+    </dgm:linClrLst>
+    <dgm:effectClrLst/>
+    <dgm:txLinClrLst/>
+    <dgm:txFillClrLst/>
+    <dgm:txEffectClrLst/>
+  </dgm:styleLbl>
+  <dgm:styleLbl name="node4">
+    <dgm:fillClrLst meth="repeat">
+      <a:schemeClr val="accent1"/>
+    </dgm:fillClrLst>
+    <dgm:linClrLst meth="repeat">
+      <a:schemeClr val="lt1"/>
+    </dgm:linClrLst>
+    <dgm:effectClrLst/>
+    <dgm:txLinClrLst/>
+    <dgm:txFillClrLst/>
+    <dgm:txEffectClrLst/>
+  </dgm:styleLbl>
+  <dgm:styleLbl name="fgImgPlace1">
+    <dgm:fillClrLst meth="repeat">
+      <a:schemeClr val="accent1">
+        <a:tint val="50000"/>
+      </a:schemeClr>
+    </dgm:fillClrLst>
+    <dgm:linClrLst meth="repeat">
+      <a:schemeClr val="lt1"/>
+    </dgm:linClrLst>
+    <dgm:effectClrLst/>
+    <dgm:txLinClrLst/>
+    <dgm:txFillClrLst meth="repeat">
+      <a:schemeClr val="lt1"/>
+    </dgm:txFillClrLst>
+    <dgm:txEffectClrLst/>
+  </dgm:styleLbl>
+  <dgm:styleLbl name="alignImgPlace1">
+    <dgm:fillClrLst meth="repeat">
+      <a:schemeClr val="accent1">
+        <a:tint val="50000"/>
+      </a:schemeClr>
+    </dgm:fillClrLst>
+    <dgm:linClrLst meth="repeat">
+      <a:schemeClr val="lt1"/>
+    </dgm:linClrLst>
+    <dgm:effectClrLst/>
+    <dgm:txLinClrLst/>
+    <dgm:txFillClrLst meth="repeat">
+      <a:schemeClr val="lt1"/>
+    </dgm:txFillClrLst>
+    <dgm:txEffectClrLst/>
+  </dgm:styleLbl>
+  <dgm:styleLbl name="bgImgPlace1">
+    <dgm:fillClrLst meth="repeat">
+      <a:schemeClr val="accent1">
+        <a:tint val="50000"/>
+      </a:schemeClr>
+    </dgm:fillClrLst>
+    <dgm:linClrLst meth="repeat">
+      <a:schemeClr val="lt1"/>
+    </dgm:linClrLst>
+    <dgm:effectClrLst/>
+    <dgm:txLinClrLst/>
+    <dgm:txFillClrLst meth="repeat">
+      <a:schemeClr val="lt1"/>
+    </dgm:txFillClrLst>
+    <dgm:txEffectClrLst/>
+  </dgm:styleLbl>
+  <dgm:styleLbl name="sibTrans2D1">
+    <dgm:fillClrLst meth="repeat">
+      <a:schemeClr val="accent1">
+        <a:tint val="60000"/>
+      </a:schemeClr>
+    </dgm:fillClrLst>
+    <dgm:linClrLst meth="repeat">
+      <a:schemeClr val="accent1">
+        <a:tint val="60000"/>
+      </a:schemeClr>
+    </dgm:linClrLst>
+    <dgm:effectClrLst/>
+    <dgm:txLinClrLst/>
+    <dgm:txFillClrLst/>
+    <dgm:txEffectClrLst/>
+  </dgm:styleLbl>
+  <dgm:styleLbl name="fgSibTrans2D1">
+    <dgm:fillClrLst meth="repeat">
+      <a:schemeClr val="accent1">
+        <a:tint val="60000"/>
+      </a:schemeClr>
+    </dgm:fillClrLst>
+    <dgm:linClrLst meth="repeat">
+      <a:schemeClr val="accent1">
+        <a:tint val="60000"/>
+      </a:schemeClr>
+    </dgm:linClrLst>
+    <dgm:effectClrLst/>
+    <dgm:txLinClrLst/>
+    <dgm:txFillClrLst/>
+    <dgm:txEffectClrLst/>
+  </dgm:styleLbl>
+  <dgm:styleLbl name="bgSibTrans2D1">
+    <dgm:fillClrLst meth="repeat">
+      <a:schemeClr val="accent1">
+        <a:tint val="60000"/>
+      </a:schemeClr>
+    </dgm:fillClrLst>
+    <dgm:linClrLst meth="repeat">
+      <a:schemeClr val="accent1">
+        <a:tint val="60000"/>
+      </a:schemeClr>
+    </dgm:linClrLst>
+    <dgm:effectClrLst/>
+    <dgm:txLinClrLst/>
+    <dgm:txFillClrLst/>
+    <dgm:txEffectClrLst/>
+  </dgm:styleLbl>
+  <dgm:styleLbl name="sibTrans1D1">
+    <dgm:fillClrLst meth="repeat">
+      <a:schemeClr val="accent1"/>
+    </dgm:fillClrLst>
+    <dgm:linClrLst meth="repeat">
+      <a:schemeClr val="accent1"/>
+    </dgm:linClrLst>
+    <dgm:effectClrLst/>
+    <dgm:txLinClrLst/>
+    <dgm:txFillClrLst meth="repeat">
+      <a:schemeClr val="tx1"/>
+    </dgm:txFillClrLst>
+    <dgm:txEffectClrLst/>
+  </dgm:styleLbl>
+  <dgm:styleLbl name="callout">
+    <dgm:fillClrLst meth="repeat">
+      <a:schemeClr val="accent1"/>
+    </dgm:fillClrLst>
+    <dgm:linClrLst meth="repeat">
+      <a:schemeClr val="accent1">
+        <a:tint val="50000"/>
+      </a:schemeClr>
+    </dgm:linClrLst>
+    <dgm:effectClrLst/>
+    <dgm:txLinClrLst/>
+    <dgm:txFillClrLst meth="repeat">
+      <a:schemeClr val="tx1"/>
+    </dgm:txFillClrLst>
+    <dgm:txEffectClrLst/>
+  </dgm:styleLbl>
+  <dgm:styleLbl name="asst0">
+    <dgm:fillClrLst meth="repeat">
+      <a:schemeClr val="accent1"/>
+    </dgm:fillClrLst>
+    <dgm:linClrLst meth="repeat">
+      <a:schemeClr val="lt1"/>
+    </dgm:linClrLst>
+    <dgm:effectClrLst/>
+    <dgm:txLinClrLst/>
+    <dgm:txFillClrLst/>
+    <dgm:txEffectClrLst/>
+  </dgm:styleLbl>
+  <dgm:styleLbl name="asst1">
+    <dgm:fillClrLst meth="repeat">
+      <a:schemeClr val="accent1"/>
+    </dgm:fillClrLst>
+    <dgm:linClrLst meth="repeat">
+      <a:schemeClr val="lt1"/>
+    </dgm:linClrLst>
+    <dgm:effectClrLst/>
+    <dgm:txLinClrLst/>
+    <dgm:txFillClrLst/>
+    <dgm:txEffectClrLst/>
+  </dgm:styleLbl>
+  <dgm:styleLbl name="asst2">
+    <dgm:fillClrLst meth="repeat">
+      <a:schemeClr val="accent1"/>
+    </dgm:fillClrLst>
+    <dgm:linClrLst meth="repeat">
+      <a:schemeClr val="lt1"/>
+    </dgm:linClrLst>
+    <dgm:effectClrLst/>
+    <dgm:txLinClrLst/>
+    <dgm:txFillClrLst/>
+    <dgm:txEffectClrLst/>
+  </dgm:styleLbl>
+  <dgm:styleLbl name="asst3">
+    <dgm:fillClrLst meth="repeat">
+      <a:schemeClr val="accent1"/>
+    </dgm:fillClrLst>
+    <dgm:linClrLst meth="repeat">
+      <a:schemeClr val="lt1"/>
+    </dgm:linClrLst>
+    <dgm:effectClrLst/>
+    <dgm:txLinClrLst/>
+    <dgm:txFillClrLst/>
+    <dgm:txEffectClrLst/>
+  </dgm:styleLbl>
+  <dgm:styleLbl name="asst4">
+    <dgm:fillClrLst meth="repeat">
+      <a:schemeClr val="accent1"/>
+    </dgm:fillClrLst>
+    <dgm:linClrLst meth="repeat">
+      <a:schemeClr val="lt1"/>
+    </dgm:linClrLst>
+    <dgm:effectClrLst/>
+    <dgm:txLinClrLst/>
+    <dgm:txFillClrLst/>
+    <dgm:txEffectClrLst/>
+  </dgm:styleLbl>
+  <dgm:styleLbl name="parChTrans2D1">
+    <dgm:fillClrLst meth="repeat">
+      <a:schemeClr val="accent1">
+        <a:tint val="60000"/>
+      </a:schemeClr>
+    </dgm:fillClrLst>
+    <dgm:linClrLst meth="repeat">
+      <a:schemeClr val="accent1">
+        <a:tint val="60000"/>
+      </a:schemeClr>
+    </dgm:linClrLst>
+    <dgm:effectClrLst/>
+    <dgm:txLinClrLst/>
+    <dgm:txFillClrLst meth="repeat">
+      <a:schemeClr val="lt1"/>
+    </dgm:txFillClrLst>
+    <dgm:txEffectClrLst/>
+  </dgm:styleLbl>
+  <dgm:styleLbl name="parChTrans2D2">
+    <dgm:fillClrLst meth="repeat">
+      <a:schemeClr val="accent1"/>
+    </dgm:fillClrLst>
+    <dgm:linClrLst meth="repeat">
+      <a:schemeClr val="accent1"/>
+    </dgm:linClrLst>
+    <dgm:effectClrLst/>
+    <dgm:txLinClrLst/>
+    <dgm:txFillClrLst meth="repeat">
+      <a:schemeClr val="lt1"/>
+    </dgm:txFillClrLst>
+    <dgm:txEffectClrLst/>
+  </dgm:styleLbl>
+  <dgm:styleLbl name="parChTrans2D3">
+    <dgm:fillClrLst meth="repeat">
+      <a:schemeClr val="accent1"/>
+    </dgm:fillClrLst>
+    <dgm:linClrLst meth="repeat">
+      <a:schemeClr val="accent1"/>
+    </dgm:linClrLst>
+    <dgm:effectClrLst/>
+    <dgm:txLinClrLst/>
+    <dgm:txFillClrLst meth="repeat">
+      <a:schemeClr val="lt1"/>
+    </dgm:txFillClrLst>
+    <dgm:txEffectClrLst/>
+  </dgm:styleLbl>
+  <dgm:styleLbl name="parChTrans2D4">
+    <dgm:fillClrLst meth="repeat">
+      <a:schemeClr val="accent1"/>
+    </dgm:fillClrLst>
+    <dgm:linClrLst meth="repeat">
+      <a:schemeClr val="accent1"/>
+    </dgm:linClrLst>
+    <dgm:effectClrLst/>
+    <dgm:txLinClrLst/>
+    <dgm:txFillClrLst meth="repeat">
+      <a:schemeClr val="lt1"/>
+    </dgm:txFillClrLst>
+    <dgm:txEffectClrLst/>
+  </dgm:styleLbl>
+  <dgm:styleLbl name="parChTrans1D1">
+    <dgm:fillClrLst meth="repeat">
+      <a:schemeClr val="accent1"/>
+    </dgm:fillClrLst>
+    <dgm:linClrLst meth="repeat">
+      <a:schemeClr val="accent1">
+        <a:shade val="60000"/>
+      </a:schemeClr>
+    </dgm:linClrLst>
+    <dgm:effectClrLst/>
+    <dgm:txLinClrLst/>
+    <dgm:txFillClrLst meth="repeat">
+      <a:schemeClr val="tx1"/>
+    </dgm:txFillClrLst>
+    <dgm:txEffectClrLst/>
+  </dgm:styleLbl>
+  <dgm:styleLbl name="parChTrans1D2">
+    <dgm:fillClrLst meth="repeat">
+      <a:schemeClr val="accent1"/>
+    </dgm:fillClrLst>
+    <dgm:linClrLst meth="repeat">
+      <a:schemeClr val="accent1">
+        <a:shade val="60000"/>
+      </a:schemeClr>
+    </dgm:linClrLst>
+    <dgm:effectClrLst/>
+    <dgm:txLinClrLst/>
+    <dgm:txFillClrLst meth="repeat">
+      <a:schemeClr val="tx1"/>
+    </dgm:txFillClrLst>
+    <dgm:txEffectClrLst/>
+  </dgm:styleLbl>
+  <dgm:styleLbl name="parChTrans1D3">
+    <dgm:fillClrLst meth="repeat">
+      <a:schemeClr val="accent1"/>
+    </dgm:fillClrLst>
+    <dgm:linClrLst meth="repeat">
+      <a:schemeClr val="accent1">
+        <a:shade val="80000"/>
+      </a:schemeClr>
+    </dgm:linClrLst>
+    <dgm:effectClrLst/>
+    <dgm:txLinClrLst/>
+    <dgm:txFillClrLst meth="repeat">
+      <a:schemeClr val="tx1"/>
+    </dgm:txFillClrLst>
+    <dgm:txEffectClrLst/>
+  </dgm:styleLbl>
+  <dgm:styleLbl name="parChTrans1D4">
+    <dgm:fillClrLst meth="repeat">
+      <a:schemeClr val="accent1"/>
+    </dgm:fillClrLst>
+    <dgm:linClrLst meth="repeat">
+      <a:schemeClr val="accent1">
+        <a:shade val="80000"/>
+      </a:schemeClr>
+    </dgm:linClrLst>
+    <dgm:effectClrLst/>
+    <dgm:txLinClrLst/>
+    <dgm:txFillClrLst meth="repeat">
+      <a:schemeClr val="tx1"/>
+    </dgm:txFillClrLst>
+    <dgm:txEffectClrLst/>
+  </dgm:styleLbl>
+  <dgm:styleLbl name="fgAcc1">
+    <dgm:fillClrLst meth="repeat">
+      <a:schemeClr val="lt1">
+        <a:alpha val="90000"/>
+      </a:schemeClr>
+    </dgm:fillClrLst>
+    <dgm:linClrLst meth="repeat">
+      <a:schemeClr val="accent1"/>
+    </dgm:linClrLst>
+    <dgm:effectClrLst/>
+    <dgm:txLinClrLst/>
+    <dgm:txFillClrLst meth="repeat">
+      <a:schemeClr val="dk1"/>
+    </dgm:txFillClrLst>
+    <dgm:txEffectClrLst/>
+  </dgm:styleLbl>
+  <dgm:styleLbl name="conFgAcc1">
+    <dgm:fillClrLst meth="repeat">
+      <a:schemeClr val="lt1">
+        <a:alpha val="90000"/>
+      </a:schemeClr>
+    </dgm:fillClrLst>
+    <dgm:linClrLst meth="repeat">
+      <a:schemeClr val="accent1"/>
+    </dgm:linClrLst>
+    <dgm:effectClrLst/>
+    <dgm:txLinClrLst/>
+    <dgm:txFillClrLst meth="repeat">
+      <a:schemeClr val="dk1"/>
+    </dgm:txFillClrLst>
+    <dgm:txEffectClrLst/>
+  </dgm:styleLbl>
+  <dgm:styleLbl name="alignAcc1">
+    <dgm:fillClrLst meth="repeat">
+      <a:schemeClr val="lt1">
+        <a:alpha val="90000"/>
+      </a:schemeClr>
+    </dgm:fillClrLst>
+    <dgm:linClrLst meth="repeat">
+      <a:schemeClr val="accent1"/>
+    </dgm:linClrLst>
+    <dgm:effectClrLst/>
+    <dgm:txLinClrLst/>
+    <dgm:txFillClrLst meth="repeat">
+      <a:schemeClr val="dk1"/>
+    </dgm:txFillClrLst>
+    <dgm:txEffectClrLst/>
+  </dgm:styleLbl>
+  <dgm:styleLbl name="trAlignAcc1">
+    <dgm:fillClrLst meth="repeat">
+      <a:schemeClr val="lt1">
+        <a:alpha val="40000"/>
+      </a:schemeClr>
+    </dgm:fillClrLst>
+    <dgm:linClrLst meth="repeat">
+      <a:schemeClr val="accent1"/>
+    </dgm:linClrLst>
+    <dgm:effectClrLst/>
+    <dgm:txLinClrLst/>
+    <dgm:txFillClrLst meth="repeat">
+      <a:schemeClr val="dk1"/>
+    </dgm:txFillClrLst>
+    <dgm:txEffectClrLst/>
+  </dgm:styleLbl>
+  <dgm:styleLbl name="bgAcc1">
+    <dgm:fillClrLst meth="repeat">
+      <a:schemeClr val="lt1">
+        <a:alpha val="90000"/>
+      </a:schemeClr>
+    </dgm:fillClrLst>
+    <dgm:linClrLst meth="repeat">
+      <a:schemeClr val="accent1"/>
+    </dgm:linClrLst>
+    <dgm:effectClrLst/>
+    <dgm:txLinClrLst/>
+    <dgm:txFillClrLst meth="repeat">
+      <a:schemeClr val="dk1"/>
+    </dgm:txFillClrLst>
+    <dgm:txEffectClrLst/>
+  </dgm:styleLbl>
+  <dgm:styleLbl name="solidFgAcc1">
+    <dgm:fillClrLst meth="repeat">
+      <a:schemeClr val="lt1"/>
+    </dgm:fillClrLst>
+    <dgm:linClrLst meth="repeat">
+      <a:schemeClr val="accent1"/>
+    </dgm:linClrLst>
+    <dgm:effectClrLst/>
+    <dgm:txLinClrLst/>
+    <dgm:txFillClrLst meth="repeat">
+      <a:schemeClr val="dk1"/>
+    </dgm:txFillClrLst>
+    <dgm:txEffectClrLst/>
+  </dgm:styleLbl>
+  <dgm:styleLbl name="solidAlignAcc1">
+    <dgm:fillClrLst meth="repeat">
+      <a:schemeClr val="lt1"/>
+    </dgm:fillClrLst>
+    <dgm:linClrLst meth="repeat">
+      <a:schemeClr val="accent1"/>
+    </dgm:linClrLst>
+    <dgm:effectClrLst/>
+    <dgm:txLinClrLst/>
+    <dgm:txFillClrLst meth="repeat">
+      <a:schemeClr val="dk1"/>
+    </dgm:txFillClrLst>
+    <dgm:txEffectClrLst/>
+  </dgm:styleLbl>
+  <dgm:styleLbl name="solidBgAcc1">
+    <dgm:fillClrLst meth="repeat">
+      <a:schemeClr val="lt1"/>
+    </dgm:fillClrLst>
+    <dgm:linClrLst meth="repeat">
+      <a:schemeClr val="accent1"/>
+    </dgm:linClrLst>
+    <dgm:effectClrLst/>
+    <dgm:txLinClrLst/>
+    <dgm:txFillClrLst meth="repeat">
+      <a:schemeClr val="dk1"/>
+    </dgm:txFillClrLst>
+    <dgm:txEffectClrLst/>
+  </dgm:styleLbl>
+  <dgm:styleLbl name="fgAccFollowNode1">
+    <dgm:fillClrLst meth="repeat">
+      <a:schemeClr val="accent1">
+        <a:alpha val="90000"/>
+        <a:tint val="40000"/>
+      </a:schemeClr>
+    </dgm:fillClrLst>
+    <dgm:linClrLst meth="repeat">
+      <a:schemeClr val="accent1">
+        <a:alpha val="90000"/>
+        <a:tint val="40000"/>
+      </a:schemeClr>
+    </dgm:linClrLst>
+    <dgm:effectClrLst/>
+    <dgm:txLinClrLst/>
+    <dgm:txFillClrLst meth="repeat">
+      <a:schemeClr val="dk1"/>
+    </dgm:txFillClrLst>
+    <dgm:txEffectClrLst/>
+  </dgm:styleLbl>
+  <dgm:styleLbl name="alignAccFollowNode1">
+    <dgm:fillClrLst meth="repeat">
+      <a:schemeClr val="accent1">
+        <a:alpha val="90000"/>
+        <a:tint val="40000"/>
+      </a:schemeClr>
+    </dgm:fillClrLst>
+    <dgm:linClrLst meth="repeat">
+      <a:schemeClr val="accent1">
+        <a:alpha val="90000"/>
+        <a:tint val="40000"/>
+      </a:schemeClr>
+    </dgm:linClrLst>
+    <dgm:effectClrLst/>
+    <dgm:txLinClrLst/>
+    <dgm:txFillClrLst meth="repeat">
+      <a:schemeClr val="dk1"/>
+    </dgm:txFillClrLst>
+    <dgm:txEffectClrLst/>
+  </dgm:styleLbl>
+  <dgm:styleLbl name="bgAccFollowNode1">
+    <dgm:fillClrLst meth="repeat">
+      <a:schemeClr val="accent1">
+        <a:alpha val="90000"/>
+        <a:tint val="40000"/>
+      </a:schemeClr>
+    </dgm:fillClrLst>
+    <dgm:linClrLst meth="repeat">
+      <a:schemeClr val="accent1">
+        <a:alpha val="90000"/>
+        <a:tint val="40000"/>
+      </a:schemeClr>
+    </dgm:linClrLst>
+    <dgm:effectClrLst/>
+    <dgm:txLinClrLst/>
+    <dgm:txFillClrLst meth="repeat">
+      <a:schemeClr val="dk1"/>
+    </dgm:txFillClrLst>
+    <dgm:txEffectClrLst/>
+  </dgm:styleLbl>
+  <dgm:styleLbl name="fgAcc0">
+    <dgm:fillClrLst meth="repeat">
+      <a:schemeClr val="lt1">
+        <a:alpha val="90000"/>
+      </a:schemeClr>
+    </dgm:fillClrLst>
+    <dgm:linClrLst meth="repeat">
+      <a:schemeClr val="accent1"/>
+    </dgm:linClrLst>
+    <dgm:effectClrLst/>
+    <dgm:txLinClrLst/>
+    <dgm:txFillClrLst meth="repeat">
+      <a:schemeClr val="dk1"/>
+    </dgm:txFillClrLst>
+    <dgm:txEffectClrLst/>
+  </dgm:styleLbl>
+  <dgm:styleLbl name="fgAcc2">
+    <dgm:fillClrLst meth="repeat">
+      <a:schemeClr val="lt1">
+        <a:alpha val="90000"/>
+      </a:schemeClr>
+    </dgm:fillClrLst>
+    <dgm:linClrLst meth="repeat">
+      <a:schemeClr val="accent1"/>
+    </dgm:linClrLst>
+    <dgm:effectClrLst/>
+    <dgm:txLinClrLst/>
+    <dgm:txFillClrLst meth="repeat">
+      <a:schemeClr val="dk1"/>
+    </dgm:txFillClrLst>
+    <dgm:txEffectClrLst/>
+  </dgm:styleLbl>
+  <dgm:styleLbl name="fgAcc3">
+    <dgm:fillClrLst meth="repeat">
+      <a:schemeClr val="lt1">
+        <a:alpha val="90000"/>
+      </a:schemeClr>
+    </dgm:fillClrLst>
+    <dgm:linClrLst meth="repeat">
+      <a:schemeClr val="accent1"/>
+    </dgm:linClrLst>
+    <dgm:effectClrLst/>
+    <dgm:txLinClrLst/>
+    <dgm:txFillClrLst meth="repeat">
+      <a:schemeClr val="dk1"/>
+    </dgm:txFillClrLst>
+    <dgm:txEffectClrLst/>
+  </dgm:styleLbl>
+  <dgm:styleLbl name="fgAcc4">
+    <dgm:fillClrLst meth="repeat">
+      <a:schemeClr val="lt1">
+        <a:alpha val="90000"/>
+      </a:schemeClr>
+    </dgm:fillClrLst>
+    <dgm:linClrLst meth="repeat">
+      <a:schemeClr val="accent1"/>
+    </dgm:linClrLst>
+    <dgm:effectClrLst/>
+    <dgm:txLinClrLst/>
+    <dgm:txFillClrLst meth="repeat">
+      <a:schemeClr val="dk1"/>
+    </dgm:txFillClrLst>
+    <dgm:txEffectClrLst/>
+  </dgm:styleLbl>
+  <dgm:styleLbl name="bgShp">
+    <dgm:fillClrLst meth="repeat">
+      <a:schemeClr val="accent1">
+        <a:tint val="40000"/>
+      </a:schemeClr>
+    </dgm:fillClrLst>
+    <dgm:linClrLst meth="repeat">
+      <a:schemeClr val="accent1"/>
+    </dgm:linClrLst>
+    <dgm:effectClrLst/>
+    <dgm:txLinClrLst/>
+    <dgm:txFillClrLst meth="repeat">
+      <a:schemeClr val="dk1"/>
+    </dgm:txFillClrLst>
+    <dgm:txEffectClrLst/>
+  </dgm:styleLbl>
+  <dgm:styleLbl name="dkBgShp">
+    <dgm:fillClrLst meth="repeat">
+      <a:schemeClr val="accent1">
+        <a:shade val="80000"/>
+      </a:schemeClr>
+    </dgm:fillClrLst>
+    <dgm:linClrLst meth="repeat">
+      <a:schemeClr val="accent1"/>
+    </dgm:linClrLst>
+    <dgm:effectClrLst/>
+    <dgm:txLinClrLst/>
+    <dgm:txFillClrLst meth="repeat">
+      <a:schemeClr val="lt1"/>
+    </dgm:txFillClrLst>
+    <dgm:txEffectClrLst/>
+  </dgm:styleLbl>
+  <dgm:styleLbl name="trBgShp">
+    <dgm:fillClrLst meth="repeat">
+      <a:schemeClr val="accent1">
+        <a:tint val="50000"/>
+        <a:alpha val="40000"/>
+      </a:schemeClr>
+    </dgm:fillClrLst>
+    <dgm:linClrLst meth="repeat">
+      <a:schemeClr val="accent1"/>
+    </dgm:linClrLst>
+    <dgm:effectClrLst/>
+    <dgm:txLinClrLst/>
+    <dgm:txFillClrLst meth="repeat">
+      <a:schemeClr val="lt1"/>
+    </dgm:txFillClrLst>
+    <dgm:txEffectClrLst/>
+  </dgm:styleLbl>
+  <dgm:styleLbl name="fgShp">
+    <dgm:fillClrLst meth="repeat">
+      <a:schemeClr val="accent1">
+        <a:tint val="60000"/>
+      </a:schemeClr>
+    </dgm:fillClrLst>
+    <dgm:linClrLst meth="repeat">
+      <a:schemeClr val="lt1"/>
+    </dgm:linClrLst>
+    <dgm:effectClrLst/>
+    <dgm:txLinClrLst/>
+    <dgm:txFillClrLst meth="repeat">
+      <a:schemeClr val="dk1"/>
+    </dgm:txFillClrLst>
+    <dgm:txEffectClrLst/>
+  </dgm:styleLbl>
+  <dgm:styleLbl name="revTx">
+    <dgm:fillClrLst meth="repeat">
+      <a:schemeClr val="lt1">
+        <a:alpha val="0"/>
+      </a:schemeClr>
+    </dgm:fillClrLst>
+    <dgm:linClrLst meth="repeat">
+      <a:schemeClr val="dk1">
+        <a:alpha val="0"/>
+      </a:schemeClr>
+    </dgm:linClrLst>
+    <dgm:effectClrLst/>
+    <dgm:txLinClrLst/>
+    <dgm:txFillClrLst meth="repeat">
+      <a:schemeClr val="tx1"/>
+    </dgm:txFillClrLst>
+    <dgm:txEffectClrLst/>
+  </dgm:styleLbl>
+</dgm:colorsDef>
+</file>
+
+<file path=ppt/diagrams/data1.xml><?xml version="1.0" encoding="utf-8"?>
+<dgm:dataModel xmlns:dgm="http://schemas.openxmlformats.org/drawingml/2006/diagram" xmlns:a="http://schemas.openxmlformats.org/drawingml/2006/main">
+  <dgm:ptLst>
+    <dgm:pt modelId="{59585631-0AB9-4F35-8CD6-8321F1CA1BFE}" type="doc">
+      <dgm:prSet loTypeId="urn:microsoft.com/office/officeart/2005/8/layout/list1" loCatId="list" qsTypeId="urn:microsoft.com/office/officeart/2005/8/quickstyle/simple1" qsCatId="simple" csTypeId="urn:microsoft.com/office/officeart/2005/8/colors/accent1_2" csCatId="accent1" phldr="1"/>
+      <dgm:spPr/>
+      <dgm:t>
+        <a:bodyPr/>
+        <a:lstStyle/>
+        <a:p>
+          <a:endParaRPr lang="en-US"/>
+        </a:p>
+      </dgm:t>
+    </dgm:pt>
+    <dgm:pt modelId="{9A8C0453-F951-4905-A648-81952EA17236}">
+      <dgm:prSet phldrT="[Text]"/>
+      <dgm:spPr/>
+      <dgm:t>
+        <a:bodyPr/>
+        <a:lstStyle/>
+        <a:p>
+          <a:r>
+            <a:rPr lang="en-US" dirty="0"/>
+            <a:t>Option A - Use your own application</a:t>
+          </a:r>
+        </a:p>
+      </dgm:t>
+    </dgm:pt>
+    <dgm:pt modelId="{17E28622-B8A8-4A92-A1D9-9E874DD0ED34}" type="parTrans" cxnId="{9BCCF4BF-1A79-4F44-9A39-D447762526AD}">
+      <dgm:prSet/>
+      <dgm:spPr/>
+      <dgm:t>
+        <a:bodyPr/>
+        <a:lstStyle/>
+        <a:p>
+          <a:endParaRPr lang="en-US"/>
+        </a:p>
+      </dgm:t>
+    </dgm:pt>
+    <dgm:pt modelId="{D371C928-A281-4706-A6A4-A9D4E44D2E85}" type="sibTrans" cxnId="{9BCCF4BF-1A79-4F44-9A39-D447762526AD}">
+      <dgm:prSet/>
+      <dgm:spPr/>
+      <dgm:t>
+        <a:bodyPr/>
+        <a:lstStyle/>
+        <a:p>
+          <a:endParaRPr lang="en-US"/>
+        </a:p>
+      </dgm:t>
+    </dgm:pt>
+    <dgm:pt modelId="{197BE7B2-4892-4FCE-AA92-8E893D2AD1C8}">
+      <dgm:prSet/>
+      <dgm:spPr/>
+      <dgm:t>
+        <a:bodyPr/>
+        <a:lstStyle/>
+        <a:p>
+          <a:r>
+            <a:rPr lang="en-US" dirty="0"/>
+            <a:t>Create an architectural pattern for </a:t>
+          </a:r>
+          <a:r>
+            <a:rPr lang="en-US" dirty="0" err="1"/>
+            <a:t>AuthN</a:t>
+          </a:r>
+          <a:r>
+            <a:rPr lang="en-US" dirty="0"/>
+            <a:t> &amp; </a:t>
+          </a:r>
+          <a:r>
+            <a:rPr lang="en-US" dirty="0" err="1"/>
+            <a:t>AuthZ</a:t>
+          </a:r>
+          <a:endParaRPr lang="en-US" dirty="0"/>
+        </a:p>
+      </dgm:t>
+    </dgm:pt>
+    <dgm:pt modelId="{1ACBBAE3-5204-49EE-AD47-4C39065013AA}" type="parTrans" cxnId="{E03C659F-DEDD-430D-AB0A-886419BD230E}">
+      <dgm:prSet/>
+      <dgm:spPr/>
+      <dgm:t>
+        <a:bodyPr/>
+        <a:lstStyle/>
+        <a:p>
+          <a:endParaRPr lang="en-US"/>
+        </a:p>
+      </dgm:t>
+    </dgm:pt>
+    <dgm:pt modelId="{5BA5F4BD-D97B-4F2A-8190-FBBC447A452E}" type="sibTrans" cxnId="{E03C659F-DEDD-430D-AB0A-886419BD230E}">
+      <dgm:prSet/>
+      <dgm:spPr/>
+      <dgm:t>
+        <a:bodyPr/>
+        <a:lstStyle/>
+        <a:p>
+          <a:endParaRPr lang="en-US"/>
+        </a:p>
+      </dgm:t>
+    </dgm:pt>
+    <dgm:pt modelId="{4AF3500F-8914-4908-A6EF-E94D4745FC2C}">
+      <dgm:prSet/>
+      <dgm:spPr/>
+      <dgm:t>
+        <a:bodyPr/>
+        <a:lstStyle/>
+        <a:p>
+          <a:r>
+            <a:rPr lang="en-US" dirty="0"/>
+            <a:t>Add code for SSO</a:t>
+          </a:r>
+        </a:p>
+      </dgm:t>
+    </dgm:pt>
+    <dgm:pt modelId="{1F619212-3420-4F11-B9E1-8EF41830E9B8}" type="parTrans" cxnId="{0F022551-A295-4494-A18C-E66ED6199769}">
+      <dgm:prSet/>
+      <dgm:spPr/>
+      <dgm:t>
+        <a:bodyPr/>
+        <a:lstStyle/>
+        <a:p>
+          <a:endParaRPr lang="en-US"/>
+        </a:p>
+      </dgm:t>
+    </dgm:pt>
+    <dgm:pt modelId="{50A1841F-C768-4B98-8186-141C709AEF3D}" type="sibTrans" cxnId="{0F022551-A295-4494-A18C-E66ED6199769}">
+      <dgm:prSet/>
+      <dgm:spPr/>
+      <dgm:t>
+        <a:bodyPr/>
+        <a:lstStyle/>
+        <a:p>
+          <a:endParaRPr lang="en-US"/>
+        </a:p>
+      </dgm:t>
+    </dgm:pt>
+    <dgm:pt modelId="{E64CA626-9201-4544-969F-9F0BEBD4D974}">
+      <dgm:prSet/>
+      <dgm:spPr/>
+      <dgm:t>
+        <a:bodyPr/>
+        <a:lstStyle/>
+        <a:p>
+          <a:r>
+            <a:rPr lang="en-US" dirty="0"/>
+            <a:t>If you already have SSO implemented, describe how you integrated the functionality.</a:t>
+          </a:r>
+        </a:p>
+      </dgm:t>
+    </dgm:pt>
+    <dgm:pt modelId="{D9A0478A-B6EE-4730-AA5C-D9923DC01444}" type="parTrans" cxnId="{C2C5F69F-9F9D-4341-8D9E-E4C0EBF18EB5}">
+      <dgm:prSet/>
+      <dgm:spPr/>
+      <dgm:t>
+        <a:bodyPr/>
+        <a:lstStyle/>
+        <a:p>
+          <a:endParaRPr lang="en-US"/>
+        </a:p>
+      </dgm:t>
+    </dgm:pt>
+    <dgm:pt modelId="{5611879C-A39A-4D9F-8940-9F2592F003C6}" type="sibTrans" cxnId="{C2C5F69F-9F9D-4341-8D9E-E4C0EBF18EB5}">
+      <dgm:prSet/>
+      <dgm:spPr/>
+      <dgm:t>
+        <a:bodyPr/>
+        <a:lstStyle/>
+        <a:p>
+          <a:endParaRPr lang="en-US"/>
+        </a:p>
+      </dgm:t>
+    </dgm:pt>
+    <dgm:pt modelId="{788510A8-D181-4608-8957-8161B3E8AEE0}">
+      <dgm:prSet/>
+      <dgm:spPr/>
+      <dgm:t>
+        <a:bodyPr/>
+        <a:lstStyle/>
+        <a:p>
+          <a:r>
+            <a:rPr lang="en-US" dirty="0"/>
+            <a:t>Implement SSO in your own application</a:t>
+          </a:r>
+        </a:p>
+      </dgm:t>
+    </dgm:pt>
+    <dgm:pt modelId="{6A6B1DE2-83BA-479C-831E-5AD93ED3029F}" type="parTrans" cxnId="{7DBC5F1D-10DD-480C-B3FC-8347493EB6C9}">
+      <dgm:prSet/>
+      <dgm:spPr/>
+      <dgm:t>
+        <a:bodyPr/>
+        <a:lstStyle/>
+        <a:p>
+          <a:endParaRPr lang="en-US"/>
+        </a:p>
+      </dgm:t>
+    </dgm:pt>
+    <dgm:pt modelId="{22F995D2-098A-4E6C-85A3-8D07BDA036EE}" type="sibTrans" cxnId="{7DBC5F1D-10DD-480C-B3FC-8347493EB6C9}">
+      <dgm:prSet/>
+      <dgm:spPr/>
+      <dgm:t>
+        <a:bodyPr/>
+        <a:lstStyle/>
+        <a:p>
+          <a:endParaRPr lang="en-US"/>
+        </a:p>
+      </dgm:t>
+    </dgm:pt>
+    <dgm:pt modelId="{D7424E97-94D5-4FE7-A094-B278DE42C03C}">
+      <dgm:prSet/>
+      <dgm:spPr/>
+      <dgm:t>
+        <a:bodyPr/>
+        <a:lstStyle/>
+        <a:p>
+          <a:r>
+            <a:rPr lang="en-US" dirty="0"/>
+            <a:t>Design for roles or additional functionality</a:t>
+          </a:r>
+        </a:p>
+      </dgm:t>
+    </dgm:pt>
+    <dgm:pt modelId="{4B60862F-3E3E-4BD2-A1AE-4965575860B9}" type="parTrans" cxnId="{688C9889-8E44-4086-9CEC-BC11F37A5F52}">
+      <dgm:prSet/>
+      <dgm:spPr/>
+      <dgm:t>
+        <a:bodyPr/>
+        <a:lstStyle/>
+        <a:p>
+          <a:endParaRPr lang="en-US"/>
+        </a:p>
+      </dgm:t>
+    </dgm:pt>
+    <dgm:pt modelId="{62706560-31DF-49BC-9CE0-D5732BC4A90E}" type="sibTrans" cxnId="{688C9889-8E44-4086-9CEC-BC11F37A5F52}">
+      <dgm:prSet/>
+      <dgm:spPr/>
+      <dgm:t>
+        <a:bodyPr/>
+        <a:lstStyle/>
+        <a:p>
+          <a:endParaRPr lang="en-US"/>
+        </a:p>
+      </dgm:t>
+    </dgm:pt>
+    <dgm:pt modelId="{921CC592-4608-41EC-937C-D49779A884A3}">
+      <dgm:prSet/>
+      <dgm:spPr/>
+      <dgm:t>
+        <a:bodyPr/>
+        <a:lstStyle/>
+        <a:p>
+          <a:r>
+            <a:rPr lang="en-US" dirty="0"/>
+            <a:t>Option B - Use a sample application</a:t>
+          </a:r>
+        </a:p>
+      </dgm:t>
+    </dgm:pt>
+    <dgm:pt modelId="{48909199-47F1-4E18-BB96-063A4EB9AC3B}" type="parTrans" cxnId="{C349990F-374B-4CCB-9A45-4D529533BAC8}">
+      <dgm:prSet/>
+      <dgm:spPr/>
+      <dgm:t>
+        <a:bodyPr/>
+        <a:lstStyle/>
+        <a:p>
+          <a:endParaRPr lang="en-US"/>
+        </a:p>
+      </dgm:t>
+    </dgm:pt>
+    <dgm:pt modelId="{078F6176-94F9-48EB-A00B-8441F4A96EE6}" type="sibTrans" cxnId="{C349990F-374B-4CCB-9A45-4D529533BAC8}">
+      <dgm:prSet/>
+      <dgm:spPr/>
+      <dgm:t>
+        <a:bodyPr/>
+        <a:lstStyle/>
+        <a:p>
+          <a:endParaRPr lang="en-US"/>
+        </a:p>
+      </dgm:t>
+    </dgm:pt>
+    <dgm:pt modelId="{F8AA3DF1-962F-4F9F-A7AE-3E4C0C5CF1C5}">
+      <dgm:prSet/>
+      <dgm:spPr/>
+      <dgm:t>
+        <a:bodyPr/>
+        <a:lstStyle/>
+        <a:p>
+          <a:r>
+            <a:rPr lang="en-US" dirty="0"/>
+            <a:t>View the sample application code (Currently .NET only) https://github.com/OfficeDev/O365-EDU-AspNetMVC-Samples</a:t>
+          </a:r>
+        </a:p>
+      </dgm:t>
+    </dgm:pt>
+    <dgm:pt modelId="{98C1DDD4-D6F9-4E04-B0F5-6DA2E6C18B96}" type="parTrans" cxnId="{CA22F24F-2B1D-48E9-91E8-79BC04BD9031}">
+      <dgm:prSet/>
+      <dgm:spPr/>
+      <dgm:t>
+        <a:bodyPr/>
+        <a:lstStyle/>
+        <a:p>
+          <a:endParaRPr lang="en-US"/>
+        </a:p>
+      </dgm:t>
+    </dgm:pt>
+    <dgm:pt modelId="{F2196F05-76BD-4B44-BADC-7CA8E17EA0D4}" type="sibTrans" cxnId="{CA22F24F-2B1D-48E9-91E8-79BC04BD9031}">
+      <dgm:prSet/>
+      <dgm:spPr/>
+      <dgm:t>
+        <a:bodyPr/>
+        <a:lstStyle/>
+        <a:p>
+          <a:endParaRPr lang="en-US"/>
+        </a:p>
+      </dgm:t>
+    </dgm:pt>
+    <dgm:pt modelId="{624969C9-3363-4F6E-B0D3-1CC8BF703AEC}">
+      <dgm:prSet/>
+      <dgm:spPr/>
+      <dgm:t>
+        <a:bodyPr/>
+        <a:lstStyle/>
+        <a:p>
+          <a:r>
+            <a:rPr lang="en-US" dirty="0"/>
+            <a:t>Run and debug to understand the flow of the application </a:t>
+          </a:r>
+          <a:r>
+            <a:rPr lang="en-US" dirty="0" err="1"/>
+            <a:t>AuthN</a:t>
+          </a:r>
+          <a:r>
+            <a:rPr lang="en-US" dirty="0"/>
+            <a:t>, </a:t>
+          </a:r>
+          <a:r>
+            <a:rPr lang="en-US" dirty="0" err="1"/>
+            <a:t>AuthZ</a:t>
+          </a:r>
+          <a:r>
+            <a:rPr lang="en-US" dirty="0"/>
+            <a:t> process</a:t>
+          </a:r>
+        </a:p>
+      </dgm:t>
+    </dgm:pt>
+    <dgm:pt modelId="{27A6C5F3-6365-4FCD-BEA1-B749CDA7D9DC}" type="parTrans" cxnId="{EEA4C54C-BDDE-4B33-A3F0-4863C457A235}">
+      <dgm:prSet/>
+      <dgm:spPr/>
+      <dgm:t>
+        <a:bodyPr/>
+        <a:lstStyle/>
+        <a:p>
+          <a:endParaRPr lang="en-US"/>
+        </a:p>
+      </dgm:t>
+    </dgm:pt>
+    <dgm:pt modelId="{FFEE2F12-EEBC-4B2E-ACB7-880D9241F8DD}" type="sibTrans" cxnId="{EEA4C54C-BDDE-4B33-A3F0-4863C457A235}">
+      <dgm:prSet/>
+      <dgm:spPr/>
+      <dgm:t>
+        <a:bodyPr/>
+        <a:lstStyle/>
+        <a:p>
+          <a:endParaRPr lang="en-US"/>
+        </a:p>
+      </dgm:t>
+    </dgm:pt>
+    <dgm:pt modelId="{9E568F30-5F1D-4543-BE3D-9ACECA360646}">
+      <dgm:prSet/>
+      <dgm:spPr/>
+      <dgm:t>
+        <a:bodyPr/>
+        <a:lstStyle/>
+        <a:p>
+          <a:r>
+            <a:rPr lang="en-US" dirty="0"/>
+            <a:t>You can also download another sample app and implement SSO</a:t>
+          </a:r>
+        </a:p>
+      </dgm:t>
+    </dgm:pt>
+    <dgm:pt modelId="{00D08260-7741-4A77-9AD3-F9583F30896B}" type="parTrans" cxnId="{B9B3636C-BDB5-4227-8751-BE749C8E8C35}">
+      <dgm:prSet/>
+      <dgm:spPr/>
+      <dgm:t>
+        <a:bodyPr/>
+        <a:lstStyle/>
+        <a:p>
+          <a:endParaRPr lang="en-US"/>
+        </a:p>
+      </dgm:t>
+    </dgm:pt>
+    <dgm:pt modelId="{7A436292-F107-4B4D-AA83-007F54A5C3B4}" type="sibTrans" cxnId="{B9B3636C-BDB5-4227-8751-BE749C8E8C35}">
+      <dgm:prSet/>
+      <dgm:spPr/>
+      <dgm:t>
+        <a:bodyPr/>
+        <a:lstStyle/>
+        <a:p>
+          <a:endParaRPr lang="en-US"/>
+        </a:p>
+      </dgm:t>
+    </dgm:pt>
+    <dgm:pt modelId="{9FB2214C-D44E-432A-B30D-A849BD85ECD5}">
+      <dgm:prSet/>
+      <dgm:spPr/>
+      <dgm:t>
+        <a:bodyPr/>
+        <a:lstStyle/>
+        <a:p>
+          <a:r>
+            <a:rPr lang="en-US" dirty="0"/>
+            <a:t>Discuss the design choices for the sample application</a:t>
+          </a:r>
+        </a:p>
+      </dgm:t>
+    </dgm:pt>
+    <dgm:pt modelId="{3F3194A4-2B3F-4DDA-8763-B38CB0EAB75D}" type="parTrans" cxnId="{246CAEA7-A2B1-4741-ACC2-1945A06ED137}">
+      <dgm:prSet/>
+      <dgm:spPr/>
+      <dgm:t>
+        <a:bodyPr/>
+        <a:lstStyle/>
+        <a:p>
+          <a:endParaRPr lang="en-US"/>
+        </a:p>
+      </dgm:t>
+    </dgm:pt>
+    <dgm:pt modelId="{009E8C1D-EC0C-4E98-989E-BA66417A868C}" type="sibTrans" cxnId="{246CAEA7-A2B1-4741-ACC2-1945A06ED137}">
+      <dgm:prSet/>
+      <dgm:spPr/>
+      <dgm:t>
+        <a:bodyPr/>
+        <a:lstStyle/>
+        <a:p>
+          <a:endParaRPr lang="en-US"/>
+        </a:p>
+      </dgm:t>
+    </dgm:pt>
+    <dgm:pt modelId="{110112F2-84BA-4F10-9A61-EAC1871B931B}">
+      <dgm:prSet/>
+      <dgm:spPr/>
+      <dgm:t>
+        <a:bodyPr/>
+        <a:lstStyle/>
+        <a:p>
+          <a:r>
+            <a:rPr lang="en-US" dirty="0"/>
+            <a:t>Option C - Design and implement later</a:t>
+          </a:r>
+        </a:p>
+      </dgm:t>
+    </dgm:pt>
+    <dgm:pt modelId="{440DC8C9-6D29-4224-B852-6FED7365900C}" type="parTrans" cxnId="{2F7A1726-09A4-4F2F-AE68-DFAF8D2939EE}">
+      <dgm:prSet/>
+      <dgm:spPr/>
+      <dgm:t>
+        <a:bodyPr/>
+        <a:lstStyle/>
+        <a:p>
+          <a:endParaRPr lang="en-US"/>
+        </a:p>
+      </dgm:t>
+    </dgm:pt>
+    <dgm:pt modelId="{66147503-F1A2-4478-BA91-51A947C48419}" type="sibTrans" cxnId="{2F7A1726-09A4-4F2F-AE68-DFAF8D2939EE}">
+      <dgm:prSet/>
+      <dgm:spPr/>
+      <dgm:t>
+        <a:bodyPr/>
+        <a:lstStyle/>
+        <a:p>
+          <a:endParaRPr lang="en-US"/>
+        </a:p>
+      </dgm:t>
+    </dgm:pt>
+    <dgm:pt modelId="{AA687741-5F75-4A63-A12D-8ED6B989C3EC}">
+      <dgm:prSet/>
+      <dgm:spPr/>
+      <dgm:t>
+        <a:bodyPr/>
+        <a:lstStyle/>
+        <a:p>
+          <a:r>
+            <a:rPr lang="en-US" dirty="0"/>
+            <a:t>Create an architectural pattern for </a:t>
+          </a:r>
+          <a:r>
+            <a:rPr lang="en-US" dirty="0" err="1"/>
+            <a:t>AuthN</a:t>
+          </a:r>
+          <a:r>
+            <a:rPr lang="en-US" dirty="0"/>
+            <a:t> &amp; </a:t>
+          </a:r>
+          <a:r>
+            <a:rPr lang="en-US" dirty="0" err="1"/>
+            <a:t>AuthZ</a:t>
+          </a:r>
+          <a:endParaRPr lang="en-US" dirty="0"/>
+        </a:p>
+      </dgm:t>
+    </dgm:pt>
+    <dgm:pt modelId="{CE37BDDE-69BA-4DF4-BBC6-3A6BE415948E}" type="parTrans" cxnId="{2BE7B92C-3EE5-487C-AF14-BB23897CC025}">
+      <dgm:prSet/>
+      <dgm:spPr/>
+      <dgm:t>
+        <a:bodyPr/>
+        <a:lstStyle/>
+        <a:p>
+          <a:endParaRPr lang="en-US"/>
+        </a:p>
+      </dgm:t>
+    </dgm:pt>
+    <dgm:pt modelId="{EB32CEE2-AE40-4265-906B-30110B07DE20}" type="sibTrans" cxnId="{2BE7B92C-3EE5-487C-AF14-BB23897CC025}">
+      <dgm:prSet/>
+      <dgm:spPr/>
+      <dgm:t>
+        <a:bodyPr/>
+        <a:lstStyle/>
+        <a:p>
+          <a:endParaRPr lang="en-US"/>
+        </a:p>
+      </dgm:t>
+    </dgm:pt>
+    <dgm:pt modelId="{C7E45004-D091-4FB3-8181-A899D67DDD2B}">
+      <dgm:prSet/>
+      <dgm:spPr/>
+      <dgm:t>
+        <a:bodyPr/>
+        <a:lstStyle/>
+        <a:p>
+          <a:r>
+            <a:rPr lang="en-US" dirty="0"/>
+            <a:t>View your application and design the options for implementing single sign in</a:t>
+          </a:r>
+        </a:p>
+      </dgm:t>
+    </dgm:pt>
+    <dgm:pt modelId="{A3DDB4BE-8A29-4179-8CB8-4B988DC5C131}" type="parTrans" cxnId="{0AA3F0FE-1273-48DA-BD15-939FB5681C79}">
+      <dgm:prSet/>
+      <dgm:spPr/>
+      <dgm:t>
+        <a:bodyPr/>
+        <a:lstStyle/>
+        <a:p>
+          <a:endParaRPr lang="en-US"/>
+        </a:p>
+      </dgm:t>
+    </dgm:pt>
+    <dgm:pt modelId="{1AFCA519-047E-4571-AC4F-95EDD126B14D}" type="sibTrans" cxnId="{0AA3F0FE-1273-48DA-BD15-939FB5681C79}">
+      <dgm:prSet/>
+      <dgm:spPr/>
+      <dgm:t>
+        <a:bodyPr/>
+        <a:lstStyle/>
+        <a:p>
+          <a:endParaRPr lang="en-US"/>
+        </a:p>
+      </dgm:t>
+    </dgm:pt>
+    <dgm:pt modelId="{7CA72EA8-9E63-42CF-B830-550B2BC59C5C}">
+      <dgm:prSet/>
+      <dgm:spPr/>
+      <dgm:t>
+        <a:bodyPr/>
+        <a:lstStyle/>
+        <a:p>
+          <a:r>
+            <a:rPr lang="en-US" dirty="0"/>
+            <a:t>View your application and design the options for implementing role based access controls</a:t>
+          </a:r>
+        </a:p>
+      </dgm:t>
+    </dgm:pt>
+    <dgm:pt modelId="{5845A66A-4C66-44A7-AA4B-87C538BC6421}" type="parTrans" cxnId="{30A99386-97F3-4213-B74F-FB5F7F19DB6C}">
+      <dgm:prSet/>
+      <dgm:spPr/>
+      <dgm:t>
+        <a:bodyPr/>
+        <a:lstStyle/>
+        <a:p>
+          <a:endParaRPr lang="en-US"/>
+        </a:p>
+      </dgm:t>
+    </dgm:pt>
+    <dgm:pt modelId="{D1E11686-7C40-4376-A940-2ECD13EA7CAE}" type="sibTrans" cxnId="{30A99386-97F3-4213-B74F-FB5F7F19DB6C}">
+      <dgm:prSet/>
+      <dgm:spPr/>
+      <dgm:t>
+        <a:bodyPr/>
+        <a:lstStyle/>
+        <a:p>
+          <a:endParaRPr lang="en-US"/>
+        </a:p>
+      </dgm:t>
+    </dgm:pt>
+    <dgm:pt modelId="{D5418918-F6E9-4B3C-8890-936F43F04DFB}" type="pres">
+      <dgm:prSet presAssocID="{59585631-0AB9-4F35-8CD6-8321F1CA1BFE}" presName="linear" presStyleCnt="0">
+        <dgm:presLayoutVars>
+          <dgm:dir/>
+          <dgm:animLvl val="lvl"/>
+          <dgm:resizeHandles val="exact"/>
+        </dgm:presLayoutVars>
+      </dgm:prSet>
+      <dgm:spPr/>
+    </dgm:pt>
+    <dgm:pt modelId="{75E76949-FD12-4735-AD7B-8650FA0A83EE}" type="pres">
+      <dgm:prSet presAssocID="{9A8C0453-F951-4905-A648-81952EA17236}" presName="parentLin" presStyleCnt="0"/>
+      <dgm:spPr/>
+    </dgm:pt>
+    <dgm:pt modelId="{F8DD2711-465F-4863-ABBE-0E97CAF1F42C}" type="pres">
+      <dgm:prSet presAssocID="{9A8C0453-F951-4905-A648-81952EA17236}" presName="parentLeftMargin" presStyleLbl="node1" presStyleIdx="0" presStyleCnt="3"/>
+      <dgm:spPr/>
+    </dgm:pt>
+    <dgm:pt modelId="{0650E442-89DF-40EB-A734-1FAAC0505BB8}" type="pres">
+      <dgm:prSet presAssocID="{9A8C0453-F951-4905-A648-81952EA17236}" presName="parentText" presStyleLbl="node1" presStyleIdx="0" presStyleCnt="3">
+        <dgm:presLayoutVars>
+          <dgm:chMax val="0"/>
+          <dgm:bulletEnabled val="1"/>
+        </dgm:presLayoutVars>
+      </dgm:prSet>
+      <dgm:spPr/>
+    </dgm:pt>
+    <dgm:pt modelId="{D0546298-084F-4389-A8BC-E958AE9CEA5A}" type="pres">
+      <dgm:prSet presAssocID="{9A8C0453-F951-4905-A648-81952EA17236}" presName="negativeSpace" presStyleCnt="0"/>
+      <dgm:spPr/>
+    </dgm:pt>
+    <dgm:pt modelId="{A3154C74-BD1C-49EB-9ACF-073719BECF18}" type="pres">
+      <dgm:prSet presAssocID="{9A8C0453-F951-4905-A648-81952EA17236}" presName="childText" presStyleLbl="conFgAcc1" presStyleIdx="0" presStyleCnt="3">
+        <dgm:presLayoutVars>
+          <dgm:bulletEnabled val="1"/>
+        </dgm:presLayoutVars>
+      </dgm:prSet>
+      <dgm:spPr/>
+    </dgm:pt>
+    <dgm:pt modelId="{B78D0E0D-5415-4DAE-8D90-25260557B77E}" type="pres">
+      <dgm:prSet presAssocID="{D371C928-A281-4706-A6A4-A9D4E44D2E85}" presName="spaceBetweenRectangles" presStyleCnt="0"/>
+      <dgm:spPr/>
+    </dgm:pt>
+    <dgm:pt modelId="{B0FB5353-3D77-40CB-908D-01291BC0D809}" type="pres">
+      <dgm:prSet presAssocID="{921CC592-4608-41EC-937C-D49779A884A3}" presName="parentLin" presStyleCnt="0"/>
+      <dgm:spPr/>
+    </dgm:pt>
+    <dgm:pt modelId="{2B5EC231-4E64-4789-B3FB-93C0A1951259}" type="pres">
+      <dgm:prSet presAssocID="{921CC592-4608-41EC-937C-D49779A884A3}" presName="parentLeftMargin" presStyleLbl="node1" presStyleIdx="0" presStyleCnt="3"/>
+      <dgm:spPr/>
+    </dgm:pt>
+    <dgm:pt modelId="{819AA8EE-6AA9-448E-B327-EF6C5046E9B2}" type="pres">
+      <dgm:prSet presAssocID="{921CC592-4608-41EC-937C-D49779A884A3}" presName="parentText" presStyleLbl="node1" presStyleIdx="1" presStyleCnt="3">
+        <dgm:presLayoutVars>
+          <dgm:chMax val="0"/>
+          <dgm:bulletEnabled val="1"/>
+        </dgm:presLayoutVars>
+      </dgm:prSet>
+      <dgm:spPr/>
+    </dgm:pt>
+    <dgm:pt modelId="{34B964AA-9747-4F13-BC30-02586A4FBCD0}" type="pres">
+      <dgm:prSet presAssocID="{921CC592-4608-41EC-937C-D49779A884A3}" presName="negativeSpace" presStyleCnt="0"/>
+      <dgm:spPr/>
+    </dgm:pt>
+    <dgm:pt modelId="{282607E4-9D81-4DA0-9DAB-20CED7FD7E73}" type="pres">
+      <dgm:prSet presAssocID="{921CC592-4608-41EC-937C-D49779A884A3}" presName="childText" presStyleLbl="conFgAcc1" presStyleIdx="1" presStyleCnt="3">
+        <dgm:presLayoutVars>
+          <dgm:bulletEnabled val="1"/>
+        </dgm:presLayoutVars>
+      </dgm:prSet>
+      <dgm:spPr/>
+    </dgm:pt>
+    <dgm:pt modelId="{F344B7F3-B53F-416E-8B66-BB3B88F96990}" type="pres">
+      <dgm:prSet presAssocID="{078F6176-94F9-48EB-A00B-8441F4A96EE6}" presName="spaceBetweenRectangles" presStyleCnt="0"/>
+      <dgm:spPr/>
+    </dgm:pt>
+    <dgm:pt modelId="{32316DA0-3A73-4FF1-8360-B7FF21095498}" type="pres">
+      <dgm:prSet presAssocID="{110112F2-84BA-4F10-9A61-EAC1871B931B}" presName="parentLin" presStyleCnt="0"/>
+      <dgm:spPr/>
+    </dgm:pt>
+    <dgm:pt modelId="{67990B50-DA01-417C-AB7A-2B5B879DBC77}" type="pres">
+      <dgm:prSet presAssocID="{110112F2-84BA-4F10-9A61-EAC1871B931B}" presName="parentLeftMargin" presStyleLbl="node1" presStyleIdx="1" presStyleCnt="3"/>
+      <dgm:spPr/>
+    </dgm:pt>
+    <dgm:pt modelId="{C1A83554-DED6-44B8-B71E-08CEF84299B9}" type="pres">
+      <dgm:prSet presAssocID="{110112F2-84BA-4F10-9A61-EAC1871B931B}" presName="parentText" presStyleLbl="node1" presStyleIdx="2" presStyleCnt="3">
+        <dgm:presLayoutVars>
+          <dgm:chMax val="0"/>
+          <dgm:bulletEnabled val="1"/>
+        </dgm:presLayoutVars>
+      </dgm:prSet>
+      <dgm:spPr/>
+    </dgm:pt>
+    <dgm:pt modelId="{863FF913-137B-46A5-BCB8-5B12EEAD6143}" type="pres">
+      <dgm:prSet presAssocID="{110112F2-84BA-4F10-9A61-EAC1871B931B}" presName="negativeSpace" presStyleCnt="0"/>
+      <dgm:spPr/>
+    </dgm:pt>
+    <dgm:pt modelId="{4C065DBB-263F-45B0-889B-4556CDD7EFFC}" type="pres">
+      <dgm:prSet presAssocID="{110112F2-84BA-4F10-9A61-EAC1871B931B}" presName="childText" presStyleLbl="conFgAcc1" presStyleIdx="2" presStyleCnt="3">
+        <dgm:presLayoutVars>
+          <dgm:bulletEnabled val="1"/>
+        </dgm:presLayoutVars>
+      </dgm:prSet>
+      <dgm:spPr/>
+    </dgm:pt>
+  </dgm:ptLst>
+  <dgm:cxnLst>
+    <dgm:cxn modelId="{7CACA003-580B-41B1-833A-17A76311DA9A}" type="presOf" srcId="{4AF3500F-8914-4908-A6EF-E94D4745FC2C}" destId="{A3154C74-BD1C-49EB-9ACF-073719BECF18}" srcOrd="0" destOrd="1" presId="urn:microsoft.com/office/officeart/2005/8/layout/list1"/>
+    <dgm:cxn modelId="{E1F75D08-627F-4A23-84B8-0C89B0C8A527}" type="presOf" srcId="{110112F2-84BA-4F10-9A61-EAC1871B931B}" destId="{C1A83554-DED6-44B8-B71E-08CEF84299B9}" srcOrd="1" destOrd="0" presId="urn:microsoft.com/office/officeart/2005/8/layout/list1"/>
+    <dgm:cxn modelId="{C349990F-374B-4CCB-9A45-4D529533BAC8}" srcId="{59585631-0AB9-4F35-8CD6-8321F1CA1BFE}" destId="{921CC592-4608-41EC-937C-D49779A884A3}" srcOrd="1" destOrd="0" parTransId="{48909199-47F1-4E18-BB96-063A4EB9AC3B}" sibTransId="{078F6176-94F9-48EB-A00B-8441F4A96EE6}"/>
+    <dgm:cxn modelId="{7DBC5F1D-10DD-480C-B3FC-8347493EB6C9}" srcId="{9A8C0453-F951-4905-A648-81952EA17236}" destId="{788510A8-D181-4608-8957-8161B3E8AEE0}" srcOrd="3" destOrd="0" parTransId="{6A6B1DE2-83BA-479C-831E-5AD93ED3029F}" sibTransId="{22F995D2-098A-4E6C-85A3-8D07BDA036EE}"/>
+    <dgm:cxn modelId="{2F7A1726-09A4-4F2F-AE68-DFAF8D2939EE}" srcId="{59585631-0AB9-4F35-8CD6-8321F1CA1BFE}" destId="{110112F2-84BA-4F10-9A61-EAC1871B931B}" srcOrd="2" destOrd="0" parTransId="{440DC8C9-6D29-4224-B852-6FED7365900C}" sibTransId="{66147503-F1A2-4478-BA91-51A947C48419}"/>
+    <dgm:cxn modelId="{E830A929-A5E0-42AF-A53D-59F6D9567595}" type="presOf" srcId="{AA687741-5F75-4A63-A12D-8ED6B989C3EC}" destId="{4C065DBB-263F-45B0-889B-4556CDD7EFFC}" srcOrd="0" destOrd="0" presId="urn:microsoft.com/office/officeart/2005/8/layout/list1"/>
+    <dgm:cxn modelId="{4269E22B-FC60-43CA-A528-95EDE62B0521}" type="presOf" srcId="{9A8C0453-F951-4905-A648-81952EA17236}" destId="{0650E442-89DF-40EB-A734-1FAAC0505BB8}" srcOrd="1" destOrd="0" presId="urn:microsoft.com/office/officeart/2005/8/layout/list1"/>
+    <dgm:cxn modelId="{2BE7B92C-3EE5-487C-AF14-BB23897CC025}" srcId="{110112F2-84BA-4F10-9A61-EAC1871B931B}" destId="{AA687741-5F75-4A63-A12D-8ED6B989C3EC}" srcOrd="0" destOrd="0" parTransId="{CE37BDDE-69BA-4DF4-BBC6-3A6BE415948E}" sibTransId="{EB32CEE2-AE40-4265-906B-30110B07DE20}"/>
+    <dgm:cxn modelId="{C7566B3C-9BA7-4D4E-B358-38F7985423F4}" type="presOf" srcId="{624969C9-3363-4F6E-B0D3-1CC8BF703AEC}" destId="{282607E4-9D81-4DA0-9DAB-20CED7FD7E73}" srcOrd="0" destOrd="1" presId="urn:microsoft.com/office/officeart/2005/8/layout/list1"/>
+    <dgm:cxn modelId="{2F991A5B-13AE-4E80-A3F0-7348737F0400}" type="presOf" srcId="{9FB2214C-D44E-432A-B30D-A849BD85ECD5}" destId="{282607E4-9D81-4DA0-9DAB-20CED7FD7E73}" srcOrd="0" destOrd="3" presId="urn:microsoft.com/office/officeart/2005/8/layout/list1"/>
+    <dgm:cxn modelId="{2DEBA048-AB73-406B-AE55-978065F16272}" type="presOf" srcId="{788510A8-D181-4608-8957-8161B3E8AEE0}" destId="{A3154C74-BD1C-49EB-9ACF-073719BECF18}" srcOrd="0" destOrd="3" presId="urn:microsoft.com/office/officeart/2005/8/layout/list1"/>
+    <dgm:cxn modelId="{B9B3636C-BDB5-4227-8751-BE749C8E8C35}" srcId="{921CC592-4608-41EC-937C-D49779A884A3}" destId="{9E568F30-5F1D-4543-BE3D-9ACECA360646}" srcOrd="2" destOrd="0" parTransId="{00D08260-7741-4A77-9AD3-F9583F30896B}" sibTransId="{7A436292-F107-4B4D-AA83-007F54A5C3B4}"/>
+    <dgm:cxn modelId="{EEA4C54C-BDDE-4B33-A3F0-4863C457A235}" srcId="{921CC592-4608-41EC-937C-D49779A884A3}" destId="{624969C9-3363-4F6E-B0D3-1CC8BF703AEC}" srcOrd="1" destOrd="0" parTransId="{27A6C5F3-6365-4FCD-BEA1-B749CDA7D9DC}" sibTransId="{FFEE2F12-EEBC-4B2E-ACB7-880D9241F8DD}"/>
+    <dgm:cxn modelId="{CA22F24F-2B1D-48E9-91E8-79BC04BD9031}" srcId="{921CC592-4608-41EC-937C-D49779A884A3}" destId="{F8AA3DF1-962F-4F9F-A7AE-3E4C0C5CF1C5}" srcOrd="0" destOrd="0" parTransId="{98C1DDD4-D6F9-4E04-B0F5-6DA2E6C18B96}" sibTransId="{F2196F05-76BD-4B44-BADC-7CA8E17EA0D4}"/>
+    <dgm:cxn modelId="{CB5F6650-D1E1-4FED-AF17-93650FFF6B66}" type="presOf" srcId="{C7E45004-D091-4FB3-8181-A899D67DDD2B}" destId="{4C065DBB-263F-45B0-889B-4556CDD7EFFC}" srcOrd="0" destOrd="1" presId="urn:microsoft.com/office/officeart/2005/8/layout/list1"/>
+    <dgm:cxn modelId="{0F022551-A295-4494-A18C-E66ED6199769}" srcId="{9A8C0453-F951-4905-A648-81952EA17236}" destId="{4AF3500F-8914-4908-A6EF-E94D4745FC2C}" srcOrd="1" destOrd="0" parTransId="{1F619212-3420-4F11-B9E1-8EF41830E9B8}" sibTransId="{50A1841F-C768-4B98-8186-141C709AEF3D}"/>
+    <dgm:cxn modelId="{F44F0273-7DD4-43AF-B4BB-A51178DD7285}" type="presOf" srcId="{921CC592-4608-41EC-937C-D49779A884A3}" destId="{819AA8EE-6AA9-448E-B327-EF6C5046E9B2}" srcOrd="1" destOrd="0" presId="urn:microsoft.com/office/officeart/2005/8/layout/list1"/>
+    <dgm:cxn modelId="{AF7CFE57-C2A0-4F43-9C9F-6742E14EAA1A}" type="presOf" srcId="{59585631-0AB9-4F35-8CD6-8321F1CA1BFE}" destId="{D5418918-F6E9-4B3C-8890-936F43F04DFB}" srcOrd="0" destOrd="0" presId="urn:microsoft.com/office/officeart/2005/8/layout/list1"/>
+    <dgm:cxn modelId="{5D14917E-9C50-4309-9E82-88F71517D698}" type="presOf" srcId="{110112F2-84BA-4F10-9A61-EAC1871B931B}" destId="{67990B50-DA01-417C-AB7A-2B5B879DBC77}" srcOrd="0" destOrd="0" presId="urn:microsoft.com/office/officeart/2005/8/layout/list1"/>
+    <dgm:cxn modelId="{30A99386-97F3-4213-B74F-FB5F7F19DB6C}" srcId="{110112F2-84BA-4F10-9A61-EAC1871B931B}" destId="{7CA72EA8-9E63-42CF-B830-550B2BC59C5C}" srcOrd="2" destOrd="0" parTransId="{5845A66A-4C66-44A7-AA4B-87C538BC6421}" sibTransId="{D1E11686-7C40-4376-A940-2ECD13EA7CAE}"/>
+    <dgm:cxn modelId="{688C9889-8E44-4086-9CEC-BC11F37A5F52}" srcId="{9A8C0453-F951-4905-A648-81952EA17236}" destId="{D7424E97-94D5-4FE7-A094-B278DE42C03C}" srcOrd="4" destOrd="0" parTransId="{4B60862F-3E3E-4BD2-A1AE-4965575860B9}" sibTransId="{62706560-31DF-49BC-9CE0-D5732BC4A90E}"/>
+    <dgm:cxn modelId="{7BE93692-4386-40FE-91DF-5C7B6CB44279}" type="presOf" srcId="{F8AA3DF1-962F-4F9F-A7AE-3E4C0C5CF1C5}" destId="{282607E4-9D81-4DA0-9DAB-20CED7FD7E73}" srcOrd="0" destOrd="0" presId="urn:microsoft.com/office/officeart/2005/8/layout/list1"/>
+    <dgm:cxn modelId="{E03C659F-DEDD-430D-AB0A-886419BD230E}" srcId="{9A8C0453-F951-4905-A648-81952EA17236}" destId="{197BE7B2-4892-4FCE-AA92-8E893D2AD1C8}" srcOrd="0" destOrd="0" parTransId="{1ACBBAE3-5204-49EE-AD47-4C39065013AA}" sibTransId="{5BA5F4BD-D97B-4F2A-8190-FBBC447A452E}"/>
+    <dgm:cxn modelId="{6B75E09F-6E1C-4C37-B725-E6D9DE1BE56C}" type="presOf" srcId="{921CC592-4608-41EC-937C-D49779A884A3}" destId="{2B5EC231-4E64-4789-B3FB-93C0A1951259}" srcOrd="0" destOrd="0" presId="urn:microsoft.com/office/officeart/2005/8/layout/list1"/>
+    <dgm:cxn modelId="{C2C5F69F-9F9D-4341-8D9E-E4C0EBF18EB5}" srcId="{9A8C0453-F951-4905-A648-81952EA17236}" destId="{E64CA626-9201-4544-969F-9F0BEBD4D974}" srcOrd="2" destOrd="0" parTransId="{D9A0478A-B6EE-4730-AA5C-D9923DC01444}" sibTransId="{5611879C-A39A-4D9F-8940-9F2592F003C6}"/>
+    <dgm:cxn modelId="{42596BA0-3DAB-46EF-9F0C-F50B19B0E585}" type="presOf" srcId="{9A8C0453-F951-4905-A648-81952EA17236}" destId="{F8DD2711-465F-4863-ABBE-0E97CAF1F42C}" srcOrd="0" destOrd="0" presId="urn:microsoft.com/office/officeart/2005/8/layout/list1"/>
+    <dgm:cxn modelId="{246CAEA7-A2B1-4741-ACC2-1945A06ED137}" srcId="{921CC592-4608-41EC-937C-D49779A884A3}" destId="{9FB2214C-D44E-432A-B30D-A849BD85ECD5}" srcOrd="3" destOrd="0" parTransId="{3F3194A4-2B3F-4DDA-8763-B38CB0EAB75D}" sibTransId="{009E8C1D-EC0C-4E98-989E-BA66417A868C}"/>
+    <dgm:cxn modelId="{CF31A1B7-48B9-4B12-A905-F2C58003E663}" type="presOf" srcId="{197BE7B2-4892-4FCE-AA92-8E893D2AD1C8}" destId="{A3154C74-BD1C-49EB-9ACF-073719BECF18}" srcOrd="0" destOrd="0" presId="urn:microsoft.com/office/officeart/2005/8/layout/list1"/>
+    <dgm:cxn modelId="{C67EF2B7-7F67-486F-8BEF-66F30211B53A}" type="presOf" srcId="{E64CA626-9201-4544-969F-9F0BEBD4D974}" destId="{A3154C74-BD1C-49EB-9ACF-073719BECF18}" srcOrd="0" destOrd="2" presId="urn:microsoft.com/office/officeart/2005/8/layout/list1"/>
+    <dgm:cxn modelId="{9BCCF4BF-1A79-4F44-9A39-D447762526AD}" srcId="{59585631-0AB9-4F35-8CD6-8321F1CA1BFE}" destId="{9A8C0453-F951-4905-A648-81952EA17236}" srcOrd="0" destOrd="0" parTransId="{17E28622-B8A8-4A92-A1D9-9E874DD0ED34}" sibTransId="{D371C928-A281-4706-A6A4-A9D4E44D2E85}"/>
+    <dgm:cxn modelId="{437F0BC1-764A-49C9-862A-06E9BBE1BA27}" type="presOf" srcId="{7CA72EA8-9E63-42CF-B830-550B2BC59C5C}" destId="{4C065DBB-263F-45B0-889B-4556CDD7EFFC}" srcOrd="0" destOrd="2" presId="urn:microsoft.com/office/officeart/2005/8/layout/list1"/>
+    <dgm:cxn modelId="{C9CD4ECB-3204-4432-802E-73337053CF4C}" type="presOf" srcId="{D7424E97-94D5-4FE7-A094-B278DE42C03C}" destId="{A3154C74-BD1C-49EB-9ACF-073719BECF18}" srcOrd="0" destOrd="4" presId="urn:microsoft.com/office/officeart/2005/8/layout/list1"/>
+    <dgm:cxn modelId="{B04A61FC-64A0-4C2D-AAA8-68C978F5B3E5}" type="presOf" srcId="{9E568F30-5F1D-4543-BE3D-9ACECA360646}" destId="{282607E4-9D81-4DA0-9DAB-20CED7FD7E73}" srcOrd="0" destOrd="2" presId="urn:microsoft.com/office/officeart/2005/8/layout/list1"/>
+    <dgm:cxn modelId="{0AA3F0FE-1273-48DA-BD15-939FB5681C79}" srcId="{110112F2-84BA-4F10-9A61-EAC1871B931B}" destId="{C7E45004-D091-4FB3-8181-A899D67DDD2B}" srcOrd="1" destOrd="0" parTransId="{A3DDB4BE-8A29-4179-8CB8-4B988DC5C131}" sibTransId="{1AFCA519-047E-4571-AC4F-95EDD126B14D}"/>
+    <dgm:cxn modelId="{BF154946-F3D3-4E62-96CD-F7F92218A16B}" type="presParOf" srcId="{D5418918-F6E9-4B3C-8890-936F43F04DFB}" destId="{75E76949-FD12-4735-AD7B-8650FA0A83EE}" srcOrd="0" destOrd="0" presId="urn:microsoft.com/office/officeart/2005/8/layout/list1"/>
+    <dgm:cxn modelId="{2FE3231B-8C52-4DDE-BD73-8286ACB72811}" type="presParOf" srcId="{75E76949-FD12-4735-AD7B-8650FA0A83EE}" destId="{F8DD2711-465F-4863-ABBE-0E97CAF1F42C}" srcOrd="0" destOrd="0" presId="urn:microsoft.com/office/officeart/2005/8/layout/list1"/>
+    <dgm:cxn modelId="{32C256DF-2D08-4C6A-AD53-B0EC2F9C05D0}" type="presParOf" srcId="{75E76949-FD12-4735-AD7B-8650FA0A83EE}" destId="{0650E442-89DF-40EB-A734-1FAAC0505BB8}" srcOrd="1" destOrd="0" presId="urn:microsoft.com/office/officeart/2005/8/layout/list1"/>
+    <dgm:cxn modelId="{905C515B-3AAD-4610-B7FE-9ECE8763E68D}" type="presParOf" srcId="{D5418918-F6E9-4B3C-8890-936F43F04DFB}" destId="{D0546298-084F-4389-A8BC-E958AE9CEA5A}" srcOrd="1" destOrd="0" presId="urn:microsoft.com/office/officeart/2005/8/layout/list1"/>
+    <dgm:cxn modelId="{74FE86BD-6567-4BA8-BC56-383C36E7623E}" type="presParOf" srcId="{D5418918-F6E9-4B3C-8890-936F43F04DFB}" destId="{A3154C74-BD1C-49EB-9ACF-073719BECF18}" srcOrd="2" destOrd="0" presId="urn:microsoft.com/office/officeart/2005/8/layout/list1"/>
+    <dgm:cxn modelId="{48A49E60-EB1C-4876-B4E9-9735EA4926D3}" type="presParOf" srcId="{D5418918-F6E9-4B3C-8890-936F43F04DFB}" destId="{B78D0E0D-5415-4DAE-8D90-25260557B77E}" srcOrd="3" destOrd="0" presId="urn:microsoft.com/office/officeart/2005/8/layout/list1"/>
+    <dgm:cxn modelId="{727AB4C8-29F4-4145-B71B-BE13977A3430}" type="presParOf" srcId="{D5418918-F6E9-4B3C-8890-936F43F04DFB}" destId="{B0FB5353-3D77-40CB-908D-01291BC0D809}" srcOrd="4" destOrd="0" presId="urn:microsoft.com/office/officeart/2005/8/layout/list1"/>
+    <dgm:cxn modelId="{5CCA445F-6F61-497F-9F76-F022292AE783}" type="presParOf" srcId="{B0FB5353-3D77-40CB-908D-01291BC0D809}" destId="{2B5EC231-4E64-4789-B3FB-93C0A1951259}" srcOrd="0" destOrd="0" presId="urn:microsoft.com/office/officeart/2005/8/layout/list1"/>
+    <dgm:cxn modelId="{7151CCA5-7DD4-4DD3-BBB5-803137DF8E8E}" type="presParOf" srcId="{B0FB5353-3D77-40CB-908D-01291BC0D809}" destId="{819AA8EE-6AA9-448E-B327-EF6C5046E9B2}" srcOrd="1" destOrd="0" presId="urn:microsoft.com/office/officeart/2005/8/layout/list1"/>
+    <dgm:cxn modelId="{00389DB0-F323-4F05-AC36-9DF62E1B5D72}" type="presParOf" srcId="{D5418918-F6E9-4B3C-8890-936F43F04DFB}" destId="{34B964AA-9747-4F13-BC30-02586A4FBCD0}" srcOrd="5" destOrd="0" presId="urn:microsoft.com/office/officeart/2005/8/layout/list1"/>
+    <dgm:cxn modelId="{E3B2C3D6-A83B-4CB3-BF61-260EF2A7B0DE}" type="presParOf" srcId="{D5418918-F6E9-4B3C-8890-936F43F04DFB}" destId="{282607E4-9D81-4DA0-9DAB-20CED7FD7E73}" srcOrd="6" destOrd="0" presId="urn:microsoft.com/office/officeart/2005/8/layout/list1"/>
+    <dgm:cxn modelId="{82928687-D410-43BB-A043-07FAEAF2F3EB}" type="presParOf" srcId="{D5418918-F6E9-4B3C-8890-936F43F04DFB}" destId="{F344B7F3-B53F-416E-8B66-BB3B88F96990}" srcOrd="7" destOrd="0" presId="urn:microsoft.com/office/officeart/2005/8/layout/list1"/>
+    <dgm:cxn modelId="{8B832B9D-9D39-4776-A1B7-CB159B1D755C}" type="presParOf" srcId="{D5418918-F6E9-4B3C-8890-936F43F04DFB}" destId="{32316DA0-3A73-4FF1-8360-B7FF21095498}" srcOrd="8" destOrd="0" presId="urn:microsoft.com/office/officeart/2005/8/layout/list1"/>
+    <dgm:cxn modelId="{4719A92A-24BD-4CFB-B9A0-0CB4AFCAB71D}" type="presParOf" srcId="{32316DA0-3A73-4FF1-8360-B7FF21095498}" destId="{67990B50-DA01-417C-AB7A-2B5B879DBC77}" srcOrd="0" destOrd="0" presId="urn:microsoft.com/office/officeart/2005/8/layout/list1"/>
+    <dgm:cxn modelId="{E0D57966-D918-4B0C-8BA7-5E2AF290EB12}" type="presParOf" srcId="{32316DA0-3A73-4FF1-8360-B7FF21095498}" destId="{C1A83554-DED6-44B8-B71E-08CEF84299B9}" srcOrd="1" destOrd="0" presId="urn:microsoft.com/office/officeart/2005/8/layout/list1"/>
+    <dgm:cxn modelId="{977587D0-0A85-497F-B416-C78018869B16}" type="presParOf" srcId="{D5418918-F6E9-4B3C-8890-936F43F04DFB}" destId="{863FF913-137B-46A5-BCB8-5B12EEAD6143}" srcOrd="9" destOrd="0" presId="urn:microsoft.com/office/officeart/2005/8/layout/list1"/>
+    <dgm:cxn modelId="{A1963EB2-5B0B-4D1B-9DEA-1670D6CC0923}" type="presParOf" srcId="{D5418918-F6E9-4B3C-8890-936F43F04DFB}" destId="{4C065DBB-263F-45B0-889B-4556CDD7EFFC}" srcOrd="10" destOrd="0" presId="urn:microsoft.com/office/officeart/2005/8/layout/list1"/>
+  </dgm:cxnLst>
+  <dgm:bg/>
+  <dgm:whole/>
+  <dgm:extLst>
+    <a:ext uri="http://schemas.microsoft.com/office/drawing/2008/diagram">
+      <dsp:dataModelExt xmlns:dsp="http://schemas.microsoft.com/office/drawing/2008/diagram" relId="rId6" minVer="http://schemas.openxmlformats.org/drawingml/2006/diagram"/>
+    </a:ext>
+  </dgm:extLst>
+</dgm:dataModel>
+</file>
+
+<file path=ppt/diagrams/drawing1.xml><?xml version="1.0" encoding="utf-8"?>
+<dsp:drawing xmlns:dgm="http://schemas.openxmlformats.org/drawingml/2006/diagram" xmlns:dsp="http://schemas.microsoft.com/office/drawing/2008/diagram" xmlns:a="http://schemas.openxmlformats.org/drawingml/2006/main">
+  <dsp:spTree>
+    <dsp:nvGrpSpPr>
+      <dsp:cNvPr id="0" name=""/>
+      <dsp:cNvGrpSpPr/>
+    </dsp:nvGrpSpPr>
+    <dsp:grpSpPr/>
+    <dsp:sp modelId="{A3154C74-BD1C-49EB-9ACF-073719BECF18}">
+      <dsp:nvSpPr>
+        <dsp:cNvPr id="0" name=""/>
+        <dsp:cNvSpPr/>
+      </dsp:nvSpPr>
+      <dsp:spPr>
+        <a:xfrm>
+          <a:off x="0" y="212086"/>
+          <a:ext cx="10972800" cy="1631700"/>
+        </a:xfrm>
+        <a:prstGeom prst="rect">
+          <a:avLst/>
+        </a:prstGeom>
+        <a:solidFill>
+          <a:schemeClr val="lt1">
+            <a:alpha val="90000"/>
+            <a:hueOff val="0"/>
+            <a:satOff val="0"/>
+            <a:lumOff val="0"/>
+            <a:alphaOff val="0"/>
+          </a:schemeClr>
+        </a:solidFill>
+        <a:ln w="10795" cap="flat" cmpd="sng" algn="ctr">
+          <a:solidFill>
+            <a:schemeClr val="accent1">
+              <a:hueOff val="0"/>
+              <a:satOff val="0"/>
+              <a:lumOff val="0"/>
+              <a:alphaOff val="0"/>
+            </a:schemeClr>
+          </a:solidFill>
+          <a:prstDash val="solid"/>
+        </a:ln>
+        <a:effectLst/>
+      </dsp:spPr>
+      <dsp:style>
+        <a:lnRef idx="2">
+          <a:scrgbClr r="0" g="0" b="0"/>
+        </a:lnRef>
+        <a:fillRef idx="1">
+          <a:scrgbClr r="0" g="0" b="0"/>
+        </a:fillRef>
+        <a:effectRef idx="0">
+          <a:scrgbClr r="0" g="0" b="0"/>
+        </a:effectRef>
+        <a:fontRef idx="minor"/>
+      </dsp:style>
+      <dsp:txBody>
+        <a:bodyPr spcFirstLastPara="0" vert="horz" wrap="square" lIns="851611" tIns="291592" rIns="851611" bIns="99568" numCol="1" spcCol="1270" anchor="t" anchorCtr="0">
+          <a:noAutofit/>
+        </a:bodyPr>
+        <a:lstStyle/>
+        <a:p>
+          <a:pPr marL="114300" lvl="1" indent="-114300" algn="l" defTabSz="622300">
+            <a:lnSpc>
+              <a:spcPct val="90000"/>
+            </a:lnSpc>
+            <a:spcBef>
+              <a:spcPct val="0"/>
+            </a:spcBef>
+            <a:spcAft>
+              <a:spcPct val="15000"/>
+            </a:spcAft>
+            <a:buChar char="•"/>
+          </a:pPr>
+          <a:r>
+            <a:rPr lang="en-US" sz="1400" kern="1200" dirty="0"/>
+            <a:t>Create an architectural pattern for </a:t>
+          </a:r>
+          <a:r>
+            <a:rPr lang="en-US" sz="1400" kern="1200" dirty="0" err="1"/>
+            <a:t>AuthN</a:t>
+          </a:r>
+          <a:r>
+            <a:rPr lang="en-US" sz="1400" kern="1200" dirty="0"/>
+            <a:t> &amp; </a:t>
+          </a:r>
+          <a:r>
+            <a:rPr lang="en-US" sz="1400" kern="1200" dirty="0" err="1"/>
+            <a:t>AuthZ</a:t>
+          </a:r>
+          <a:endParaRPr lang="en-US" sz="1400" kern="1200" dirty="0"/>
+        </a:p>
+        <a:p>
+          <a:pPr marL="114300" lvl="1" indent="-114300" algn="l" defTabSz="622300">
+            <a:lnSpc>
+              <a:spcPct val="90000"/>
+            </a:lnSpc>
+            <a:spcBef>
+              <a:spcPct val="0"/>
+            </a:spcBef>
+            <a:spcAft>
+              <a:spcPct val="15000"/>
+            </a:spcAft>
+            <a:buChar char="•"/>
+          </a:pPr>
+          <a:r>
+            <a:rPr lang="en-US" sz="1400" kern="1200" dirty="0"/>
+            <a:t>Add code for SSO</a:t>
+          </a:r>
+        </a:p>
+        <a:p>
+          <a:pPr marL="114300" lvl="1" indent="-114300" algn="l" defTabSz="622300">
+            <a:lnSpc>
+              <a:spcPct val="90000"/>
+            </a:lnSpc>
+            <a:spcBef>
+              <a:spcPct val="0"/>
+            </a:spcBef>
+            <a:spcAft>
+              <a:spcPct val="15000"/>
+            </a:spcAft>
+            <a:buChar char="•"/>
+          </a:pPr>
+          <a:r>
+            <a:rPr lang="en-US" sz="1400" kern="1200" dirty="0"/>
+            <a:t>If you already have SSO implemented, describe how you integrated the functionality.</a:t>
+          </a:r>
+        </a:p>
+        <a:p>
+          <a:pPr marL="114300" lvl="1" indent="-114300" algn="l" defTabSz="622300">
+            <a:lnSpc>
+              <a:spcPct val="90000"/>
+            </a:lnSpc>
+            <a:spcBef>
+              <a:spcPct val="0"/>
+            </a:spcBef>
+            <a:spcAft>
+              <a:spcPct val="15000"/>
+            </a:spcAft>
+            <a:buChar char="•"/>
+          </a:pPr>
+          <a:r>
+            <a:rPr lang="en-US" sz="1400" kern="1200" dirty="0"/>
+            <a:t>Implement SSO in your own application</a:t>
+          </a:r>
+        </a:p>
+        <a:p>
+          <a:pPr marL="114300" lvl="1" indent="-114300" algn="l" defTabSz="622300">
+            <a:lnSpc>
+              <a:spcPct val="90000"/>
+            </a:lnSpc>
+            <a:spcBef>
+              <a:spcPct val="0"/>
+            </a:spcBef>
+            <a:spcAft>
+              <a:spcPct val="15000"/>
+            </a:spcAft>
+            <a:buChar char="•"/>
+          </a:pPr>
+          <a:r>
+            <a:rPr lang="en-US" sz="1400" kern="1200" dirty="0"/>
+            <a:t>Design for roles or additional functionality</a:t>
+          </a:r>
+        </a:p>
+      </dsp:txBody>
+      <dsp:txXfrm>
+        <a:off x="0" y="212086"/>
+        <a:ext cx="10972800" cy="1631700"/>
+      </dsp:txXfrm>
+    </dsp:sp>
+    <dsp:sp modelId="{0650E442-89DF-40EB-A734-1FAAC0505BB8}">
+      <dsp:nvSpPr>
+        <dsp:cNvPr id="0" name=""/>
+        <dsp:cNvSpPr/>
+      </dsp:nvSpPr>
+      <dsp:spPr>
+        <a:xfrm>
+          <a:off x="548640" y="5446"/>
+          <a:ext cx="7680960" cy="413280"/>
+        </a:xfrm>
+        <a:prstGeom prst="roundRect">
+          <a:avLst/>
+        </a:prstGeom>
+        <a:solidFill>
+          <a:schemeClr val="accent1">
+            <a:hueOff val="0"/>
+            <a:satOff val="0"/>
+            <a:lumOff val="0"/>
+            <a:alphaOff val="0"/>
+          </a:schemeClr>
+        </a:solidFill>
+        <a:ln w="10795" cap="flat" cmpd="sng" algn="ctr">
+          <a:solidFill>
+            <a:schemeClr val="lt1">
+              <a:hueOff val="0"/>
+              <a:satOff val="0"/>
+              <a:lumOff val="0"/>
+              <a:alphaOff val="0"/>
+            </a:schemeClr>
+          </a:solidFill>
+          <a:prstDash val="solid"/>
+        </a:ln>
+        <a:effectLst/>
+      </dsp:spPr>
+      <dsp:style>
+        <a:lnRef idx="2">
+          <a:scrgbClr r="0" g="0" b="0"/>
+        </a:lnRef>
+        <a:fillRef idx="1">
+          <a:scrgbClr r="0" g="0" b="0"/>
+        </a:fillRef>
+        <a:effectRef idx="0">
+          <a:scrgbClr r="0" g="0" b="0"/>
+        </a:effectRef>
+        <a:fontRef idx="minor">
+          <a:schemeClr val="lt1"/>
+        </a:fontRef>
+      </dsp:style>
+      <dsp:txBody>
+        <a:bodyPr spcFirstLastPara="0" vert="horz" wrap="square" lIns="290322" tIns="0" rIns="290322" bIns="0" numCol="1" spcCol="1270" anchor="ctr" anchorCtr="0">
+          <a:noAutofit/>
+        </a:bodyPr>
+        <a:lstStyle/>
+        <a:p>
+          <a:pPr marL="0" lvl="0" indent="0" algn="l" defTabSz="622300">
+            <a:lnSpc>
+              <a:spcPct val="90000"/>
+            </a:lnSpc>
+            <a:spcBef>
+              <a:spcPct val="0"/>
+            </a:spcBef>
+            <a:spcAft>
+              <a:spcPct val="35000"/>
+            </a:spcAft>
+            <a:buNone/>
+          </a:pPr>
+          <a:r>
+            <a:rPr lang="en-US" sz="1400" kern="1200" dirty="0"/>
+            <a:t>Option A - Use your own application</a:t>
+          </a:r>
+        </a:p>
+      </dsp:txBody>
+      <dsp:txXfrm>
+        <a:off x="568815" y="25621"/>
+        <a:ext cx="7640610" cy="372930"/>
+      </dsp:txXfrm>
+    </dsp:sp>
+    <dsp:sp modelId="{282607E4-9D81-4DA0-9DAB-20CED7FD7E73}">
+      <dsp:nvSpPr>
+        <dsp:cNvPr id="0" name=""/>
+        <dsp:cNvSpPr/>
+      </dsp:nvSpPr>
+      <dsp:spPr>
+        <a:xfrm>
+          <a:off x="0" y="2126026"/>
+          <a:ext cx="10972800" cy="1587600"/>
+        </a:xfrm>
+        <a:prstGeom prst="rect">
+          <a:avLst/>
+        </a:prstGeom>
+        <a:solidFill>
+          <a:schemeClr val="lt1">
+            <a:alpha val="90000"/>
+            <a:hueOff val="0"/>
+            <a:satOff val="0"/>
+            <a:lumOff val="0"/>
+            <a:alphaOff val="0"/>
+          </a:schemeClr>
+        </a:solidFill>
+        <a:ln w="10795" cap="flat" cmpd="sng" algn="ctr">
+          <a:solidFill>
+            <a:schemeClr val="accent1">
+              <a:hueOff val="0"/>
+              <a:satOff val="0"/>
+              <a:lumOff val="0"/>
+              <a:alphaOff val="0"/>
+            </a:schemeClr>
+          </a:solidFill>
+          <a:prstDash val="solid"/>
+        </a:ln>
+        <a:effectLst/>
+      </dsp:spPr>
+      <dsp:style>
+        <a:lnRef idx="2">
+          <a:scrgbClr r="0" g="0" b="0"/>
+        </a:lnRef>
+        <a:fillRef idx="1">
+          <a:scrgbClr r="0" g="0" b="0"/>
+        </a:fillRef>
+        <a:effectRef idx="0">
+          <a:scrgbClr r="0" g="0" b="0"/>
+        </a:effectRef>
+        <a:fontRef idx="minor"/>
+      </dsp:style>
+      <dsp:txBody>
+        <a:bodyPr spcFirstLastPara="0" vert="horz" wrap="square" lIns="851611" tIns="291592" rIns="851611" bIns="99568" numCol="1" spcCol="1270" anchor="t" anchorCtr="0">
+          <a:noAutofit/>
+        </a:bodyPr>
+        <a:lstStyle/>
+        <a:p>
+          <a:pPr marL="114300" lvl="1" indent="-114300" algn="l" defTabSz="622300">
+            <a:lnSpc>
+              <a:spcPct val="90000"/>
+            </a:lnSpc>
+            <a:spcBef>
+              <a:spcPct val="0"/>
+            </a:spcBef>
+            <a:spcAft>
+              <a:spcPct val="15000"/>
+            </a:spcAft>
+            <a:buChar char="•"/>
+          </a:pPr>
+          <a:r>
+            <a:rPr lang="en-US" sz="1400" kern="1200" dirty="0"/>
+            <a:t>View the sample application code (Currently .NET only) https://github.com/OfficeDev/O365-EDU-AspNetMVC-Samples</a:t>
+          </a:r>
+        </a:p>
+        <a:p>
+          <a:pPr marL="114300" lvl="1" indent="-114300" algn="l" defTabSz="622300">
+            <a:lnSpc>
+              <a:spcPct val="90000"/>
+            </a:lnSpc>
+            <a:spcBef>
+              <a:spcPct val="0"/>
+            </a:spcBef>
+            <a:spcAft>
+              <a:spcPct val="15000"/>
+            </a:spcAft>
+            <a:buChar char="•"/>
+          </a:pPr>
+          <a:r>
+            <a:rPr lang="en-US" sz="1400" kern="1200" dirty="0"/>
+            <a:t>Run and debug to understand the flow of the application </a:t>
+          </a:r>
+          <a:r>
+            <a:rPr lang="en-US" sz="1400" kern="1200" dirty="0" err="1"/>
+            <a:t>AuthN</a:t>
+          </a:r>
+          <a:r>
+            <a:rPr lang="en-US" sz="1400" kern="1200" dirty="0"/>
+            <a:t>, </a:t>
+          </a:r>
+          <a:r>
+            <a:rPr lang="en-US" sz="1400" kern="1200" dirty="0" err="1"/>
+            <a:t>AuthZ</a:t>
+          </a:r>
+          <a:r>
+            <a:rPr lang="en-US" sz="1400" kern="1200" dirty="0"/>
+            <a:t> process</a:t>
+          </a:r>
+        </a:p>
+        <a:p>
+          <a:pPr marL="114300" lvl="1" indent="-114300" algn="l" defTabSz="622300">
+            <a:lnSpc>
+              <a:spcPct val="90000"/>
+            </a:lnSpc>
+            <a:spcBef>
+              <a:spcPct val="0"/>
+            </a:spcBef>
+            <a:spcAft>
+              <a:spcPct val="15000"/>
+            </a:spcAft>
+            <a:buChar char="•"/>
+          </a:pPr>
+          <a:r>
+            <a:rPr lang="en-US" sz="1400" kern="1200" dirty="0"/>
+            <a:t>You can also download another sample app and implement SSO</a:t>
+          </a:r>
+        </a:p>
+        <a:p>
+          <a:pPr marL="114300" lvl="1" indent="-114300" algn="l" defTabSz="622300">
+            <a:lnSpc>
+              <a:spcPct val="90000"/>
+            </a:lnSpc>
+            <a:spcBef>
+              <a:spcPct val="0"/>
+            </a:spcBef>
+            <a:spcAft>
+              <a:spcPct val="15000"/>
+            </a:spcAft>
+            <a:buChar char="•"/>
+          </a:pPr>
+          <a:r>
+            <a:rPr lang="en-US" sz="1400" kern="1200" dirty="0"/>
+            <a:t>Discuss the design choices for the sample application</a:t>
+          </a:r>
+        </a:p>
+      </dsp:txBody>
+      <dsp:txXfrm>
+        <a:off x="0" y="2126026"/>
+        <a:ext cx="10972800" cy="1587600"/>
+      </dsp:txXfrm>
+    </dsp:sp>
+    <dsp:sp modelId="{819AA8EE-6AA9-448E-B327-EF6C5046E9B2}">
+      <dsp:nvSpPr>
+        <dsp:cNvPr id="0" name=""/>
+        <dsp:cNvSpPr/>
+      </dsp:nvSpPr>
+      <dsp:spPr>
+        <a:xfrm>
+          <a:off x="548640" y="1919386"/>
+          <a:ext cx="7680960" cy="413280"/>
+        </a:xfrm>
+        <a:prstGeom prst="roundRect">
+          <a:avLst/>
+        </a:prstGeom>
+        <a:solidFill>
+          <a:schemeClr val="accent1">
+            <a:hueOff val="0"/>
+            <a:satOff val="0"/>
+            <a:lumOff val="0"/>
+            <a:alphaOff val="0"/>
+          </a:schemeClr>
+        </a:solidFill>
+        <a:ln w="10795" cap="flat" cmpd="sng" algn="ctr">
+          <a:solidFill>
+            <a:schemeClr val="lt1">
+              <a:hueOff val="0"/>
+              <a:satOff val="0"/>
+              <a:lumOff val="0"/>
+              <a:alphaOff val="0"/>
+            </a:schemeClr>
+          </a:solidFill>
+          <a:prstDash val="solid"/>
+        </a:ln>
+        <a:effectLst/>
+      </dsp:spPr>
+      <dsp:style>
+        <a:lnRef idx="2">
+          <a:scrgbClr r="0" g="0" b="0"/>
+        </a:lnRef>
+        <a:fillRef idx="1">
+          <a:scrgbClr r="0" g="0" b="0"/>
+        </a:fillRef>
+        <a:effectRef idx="0">
+          <a:scrgbClr r="0" g="0" b="0"/>
+        </a:effectRef>
+        <a:fontRef idx="minor">
+          <a:schemeClr val="lt1"/>
+        </a:fontRef>
+      </dsp:style>
+      <dsp:txBody>
+        <a:bodyPr spcFirstLastPara="0" vert="horz" wrap="square" lIns="290322" tIns="0" rIns="290322" bIns="0" numCol="1" spcCol="1270" anchor="ctr" anchorCtr="0">
+          <a:noAutofit/>
+        </a:bodyPr>
+        <a:lstStyle/>
+        <a:p>
+          <a:pPr marL="0" lvl="0" indent="0" algn="l" defTabSz="622300">
+            <a:lnSpc>
+              <a:spcPct val="90000"/>
+            </a:lnSpc>
+            <a:spcBef>
+              <a:spcPct val="0"/>
+            </a:spcBef>
+            <a:spcAft>
+              <a:spcPct val="35000"/>
+            </a:spcAft>
+            <a:buNone/>
+          </a:pPr>
+          <a:r>
+            <a:rPr lang="en-US" sz="1400" kern="1200" dirty="0"/>
+            <a:t>Option B - Use a sample application</a:t>
+          </a:r>
+        </a:p>
+      </dsp:txBody>
+      <dsp:txXfrm>
+        <a:off x="568815" y="1939561"/>
+        <a:ext cx="7640610" cy="372930"/>
+      </dsp:txXfrm>
+    </dsp:sp>
+    <dsp:sp modelId="{4C065DBB-263F-45B0-889B-4556CDD7EFFC}">
+      <dsp:nvSpPr>
+        <dsp:cNvPr id="0" name=""/>
+        <dsp:cNvSpPr/>
+      </dsp:nvSpPr>
+      <dsp:spPr>
+        <a:xfrm>
+          <a:off x="0" y="3995866"/>
+          <a:ext cx="10972800" cy="1102500"/>
+        </a:xfrm>
+        <a:prstGeom prst="rect">
+          <a:avLst/>
+        </a:prstGeom>
+        <a:solidFill>
+          <a:schemeClr val="lt1">
+            <a:alpha val="90000"/>
+            <a:hueOff val="0"/>
+            <a:satOff val="0"/>
+            <a:lumOff val="0"/>
+            <a:alphaOff val="0"/>
+          </a:schemeClr>
+        </a:solidFill>
+        <a:ln w="10795" cap="flat" cmpd="sng" algn="ctr">
+          <a:solidFill>
+            <a:schemeClr val="accent1">
+              <a:hueOff val="0"/>
+              <a:satOff val="0"/>
+              <a:lumOff val="0"/>
+              <a:alphaOff val="0"/>
+            </a:schemeClr>
+          </a:solidFill>
+          <a:prstDash val="solid"/>
+        </a:ln>
+        <a:effectLst/>
+      </dsp:spPr>
+      <dsp:style>
+        <a:lnRef idx="2">
+          <a:scrgbClr r="0" g="0" b="0"/>
+        </a:lnRef>
+        <a:fillRef idx="1">
+          <a:scrgbClr r="0" g="0" b="0"/>
+        </a:fillRef>
+        <a:effectRef idx="0">
+          <a:scrgbClr r="0" g="0" b="0"/>
+        </a:effectRef>
+        <a:fontRef idx="minor"/>
+      </dsp:style>
+      <dsp:txBody>
+        <a:bodyPr spcFirstLastPara="0" vert="horz" wrap="square" lIns="851611" tIns="291592" rIns="851611" bIns="99568" numCol="1" spcCol="1270" anchor="t" anchorCtr="0">
+          <a:noAutofit/>
+        </a:bodyPr>
+        <a:lstStyle/>
+        <a:p>
+          <a:pPr marL="114300" lvl="1" indent="-114300" algn="l" defTabSz="622300">
+            <a:lnSpc>
+              <a:spcPct val="90000"/>
+            </a:lnSpc>
+            <a:spcBef>
+              <a:spcPct val="0"/>
+            </a:spcBef>
+            <a:spcAft>
+              <a:spcPct val="15000"/>
+            </a:spcAft>
+            <a:buChar char="•"/>
+          </a:pPr>
+          <a:r>
+            <a:rPr lang="en-US" sz="1400" kern="1200" dirty="0"/>
+            <a:t>Create an architectural pattern for </a:t>
+          </a:r>
+          <a:r>
+            <a:rPr lang="en-US" sz="1400" kern="1200" dirty="0" err="1"/>
+            <a:t>AuthN</a:t>
+          </a:r>
+          <a:r>
+            <a:rPr lang="en-US" sz="1400" kern="1200" dirty="0"/>
+            <a:t> &amp; </a:t>
+          </a:r>
+          <a:r>
+            <a:rPr lang="en-US" sz="1400" kern="1200" dirty="0" err="1"/>
+            <a:t>AuthZ</a:t>
+          </a:r>
+          <a:endParaRPr lang="en-US" sz="1400" kern="1200" dirty="0"/>
+        </a:p>
+        <a:p>
+          <a:pPr marL="114300" lvl="1" indent="-114300" algn="l" defTabSz="622300">
+            <a:lnSpc>
+              <a:spcPct val="90000"/>
+            </a:lnSpc>
+            <a:spcBef>
+              <a:spcPct val="0"/>
+            </a:spcBef>
+            <a:spcAft>
+              <a:spcPct val="15000"/>
+            </a:spcAft>
+            <a:buChar char="•"/>
+          </a:pPr>
+          <a:r>
+            <a:rPr lang="en-US" sz="1400" kern="1200" dirty="0"/>
+            <a:t>View your application and design the options for implementing single sign in</a:t>
+          </a:r>
+        </a:p>
+        <a:p>
+          <a:pPr marL="114300" lvl="1" indent="-114300" algn="l" defTabSz="622300">
+            <a:lnSpc>
+              <a:spcPct val="90000"/>
+            </a:lnSpc>
+            <a:spcBef>
+              <a:spcPct val="0"/>
+            </a:spcBef>
+            <a:spcAft>
+              <a:spcPct val="15000"/>
+            </a:spcAft>
+            <a:buChar char="•"/>
+          </a:pPr>
+          <a:r>
+            <a:rPr lang="en-US" sz="1400" kern="1200" dirty="0"/>
+            <a:t>View your application and design the options for implementing role based access controls</a:t>
+          </a:r>
+        </a:p>
+      </dsp:txBody>
+      <dsp:txXfrm>
+        <a:off x="0" y="3995866"/>
+        <a:ext cx="10972800" cy="1102500"/>
+      </dsp:txXfrm>
+    </dsp:sp>
+    <dsp:sp modelId="{C1A83554-DED6-44B8-B71E-08CEF84299B9}">
+      <dsp:nvSpPr>
+        <dsp:cNvPr id="0" name=""/>
+        <dsp:cNvSpPr/>
+      </dsp:nvSpPr>
+      <dsp:spPr>
+        <a:xfrm>
+          <a:off x="548640" y="3789226"/>
+          <a:ext cx="7680960" cy="413280"/>
+        </a:xfrm>
+        <a:prstGeom prst="roundRect">
+          <a:avLst/>
+        </a:prstGeom>
+        <a:solidFill>
+          <a:schemeClr val="accent1">
+            <a:hueOff val="0"/>
+            <a:satOff val="0"/>
+            <a:lumOff val="0"/>
+            <a:alphaOff val="0"/>
+          </a:schemeClr>
+        </a:solidFill>
+        <a:ln w="10795" cap="flat" cmpd="sng" algn="ctr">
+          <a:solidFill>
+            <a:schemeClr val="lt1">
+              <a:hueOff val="0"/>
+              <a:satOff val="0"/>
+              <a:lumOff val="0"/>
+              <a:alphaOff val="0"/>
+            </a:schemeClr>
+          </a:solidFill>
+          <a:prstDash val="solid"/>
+        </a:ln>
+        <a:effectLst/>
+      </dsp:spPr>
+      <dsp:style>
+        <a:lnRef idx="2">
+          <a:scrgbClr r="0" g="0" b="0"/>
+        </a:lnRef>
+        <a:fillRef idx="1">
+          <a:scrgbClr r="0" g="0" b="0"/>
+        </a:fillRef>
+        <a:effectRef idx="0">
+          <a:scrgbClr r="0" g="0" b="0"/>
+        </a:effectRef>
+        <a:fontRef idx="minor">
+          <a:schemeClr val="lt1"/>
+        </a:fontRef>
+      </dsp:style>
+      <dsp:txBody>
+        <a:bodyPr spcFirstLastPara="0" vert="horz" wrap="square" lIns="290322" tIns="0" rIns="290322" bIns="0" numCol="1" spcCol="1270" anchor="ctr" anchorCtr="0">
+          <a:noAutofit/>
+        </a:bodyPr>
+        <a:lstStyle/>
+        <a:p>
+          <a:pPr marL="0" lvl="0" indent="0" algn="l" defTabSz="622300">
+            <a:lnSpc>
+              <a:spcPct val="90000"/>
+            </a:lnSpc>
+            <a:spcBef>
+              <a:spcPct val="0"/>
+            </a:spcBef>
+            <a:spcAft>
+              <a:spcPct val="35000"/>
+            </a:spcAft>
+            <a:buNone/>
+          </a:pPr>
+          <a:r>
+            <a:rPr lang="en-US" sz="1400" kern="1200" dirty="0"/>
+            <a:t>Option C - Design and implement later</a:t>
+          </a:r>
+        </a:p>
+      </dsp:txBody>
+      <dsp:txXfrm>
+        <a:off x="568815" y="3809401"/>
+        <a:ext cx="7640610" cy="372930"/>
+      </dsp:txXfrm>
+    </dsp:sp>
+  </dsp:spTree>
+</dsp:drawing>
+</file>
+
+<file path=ppt/diagrams/layout1.xml><?xml version="1.0" encoding="utf-8"?>
+<dgm:layoutDef xmlns:dgm="http://schemas.openxmlformats.org/drawingml/2006/diagram" xmlns:a="http://schemas.openxmlformats.org/drawingml/2006/main" uniqueId="urn:microsoft.com/office/officeart/2005/8/layout/list1">
+  <dgm:title val=""/>
+  <dgm:desc val=""/>
+  <dgm:catLst>
+    <dgm:cat type="list" pri="4000"/>
+  </dgm:catLst>
+  <dgm:sampData>
+    <dgm:dataModel>
+      <dgm:ptLst>
+        <dgm:pt modelId="0" type="doc"/>
+        <dgm:pt modelId="1">
+          <dgm:prSet phldr="1"/>
+        </dgm:pt>
+        <dgm:pt modelId="2">
+          <dgm:prSet phldr="1"/>
+        </dgm:pt>
+        <dgm:pt modelId="3">
+          <dgm:prSet phldr="1"/>
+        </dgm:pt>
+      </dgm:ptLst>
+      <dgm:cxnLst>
+        <dgm:cxn modelId="4" srcId="0" destId="1" srcOrd="0" destOrd="0"/>
+        <dgm:cxn modelId="5" srcId="0" destId="2" srcOrd="1" destOrd="0"/>
+        <dgm:cxn modelId="6" srcId="0" destId="3" srcOrd="2" destOrd="0"/>
+      </dgm:cxnLst>
+      <dgm:bg/>
+      <dgm:whole/>
+    </dgm:dataModel>
+  </dgm:sampData>
+  <dgm:styleData>
+    <dgm:dataModel>
+      <dgm:ptLst>
+        <dgm:pt modelId="0" type="doc"/>
+        <dgm:pt modelId="1"/>
+        <dgm:pt modelId="2"/>
+      </dgm:ptLst>
+      <dgm:cxnLst>
+        <dgm:cxn modelId="4" srcId="0" destId="1" srcOrd="0" destOrd="0"/>
+        <dgm:cxn modelId="5" srcId="0" destId="2" srcOrd="1" destOrd="0"/>
+      </dgm:cxnLst>
+      <dgm:bg/>
+      <dgm:whole/>
+    </dgm:dataModel>
+  </dgm:styleData>
+  <dgm:clrData>
+    <dgm:dataModel>
+      <dgm:ptLst>
+        <dgm:pt modelId="0" type="doc"/>
+        <dgm:pt modelId="1"/>
+        <dgm:pt modelId="2"/>
+        <dgm:pt modelId="3"/>
+        <dgm:pt modelId="4"/>
+      </dgm:ptLst>
+      <dgm:cxnLst>
+        <dgm:cxn modelId="5" srcId="0" destId="1" srcOrd="0" destOrd="0"/>
+        <dgm:cxn modelId="6" srcId="0" destId="2" srcOrd="1" destOrd="0"/>
+        <dgm:cxn modelId="7" srcId="0" destId="3" srcOrd="2" destOrd="0"/>
+        <dgm:cxn modelId="8" srcId="0" destId="4" srcOrd="3" destOrd="0"/>
+      </dgm:cxnLst>
+      <dgm:bg/>
+      <dgm:whole/>
+    </dgm:dataModel>
+  </dgm:clrData>
+  <dgm:layoutNode name="linear">
+    <dgm:varLst>
+      <dgm:dir/>
+      <dgm:animLvl val="lvl"/>
+      <dgm:resizeHandles val="exact"/>
+    </dgm:varLst>
+    <dgm:choose name="Name0">
+      <dgm:if name="Name1" func="var" arg="dir" op="equ" val="norm">
+        <dgm:alg type="lin">
+          <dgm:param type="linDir" val="fromT"/>
+          <dgm:param type="vertAlign" val="mid"/>
+          <dgm:param type="horzAlign" val="l"/>
+          <dgm:param type="nodeHorzAlign" val="l"/>
+        </dgm:alg>
+      </dgm:if>
+      <dgm:else name="Name2">
+        <dgm:alg type="lin">
+          <dgm:param type="linDir" val="fromT"/>
+          <dgm:param type="vertAlign" val="mid"/>
+          <dgm:param type="horzAlign" val="r"/>
+          <dgm:param type="nodeHorzAlign" val="r"/>
+        </dgm:alg>
+      </dgm:else>
+    </dgm:choose>
+    <dgm:shape xmlns:r="http://schemas.openxmlformats.org/officeDocument/2006/relationships" r:blip="">
+      <dgm:adjLst/>
+    </dgm:shape>
+    <dgm:presOf/>
+    <dgm:constrLst>
+      <dgm:constr type="w" for="ch" forName="parentLin" refType="w"/>
+      <dgm:constr type="h" for="ch" forName="parentLin" val="INF"/>
+      <dgm:constr type="w" for="des" forName="parentLeftMargin" refType="w" fact="0.05"/>
+      <dgm:constr type="w" for="des" forName="parentText" refType="w" fact="0.7"/>
+      <dgm:constr type="h" for="des" forName="parentText" refType="primFontSz" refFor="des" refForName="parentText" fact="0.82"/>
+      <dgm:constr type="h" for="ch" forName="negativeSpace" refType="primFontSz" refFor="des" refForName="parentText" fact="-0.41"/>
+      <dgm:constr type="h" for="ch" forName="negativeSpace" refType="h" refFor="des" refForName="parentText" op="lte" fact="-0.82"/>
+      <dgm:constr type="h" for="ch" forName="negativeSpace" refType="h" refFor="des" refForName="parentText" op="gte" fact="-0.82"/>
+      <dgm:constr type="w" for="ch" forName="childText" refType="w"/>
+      <dgm:constr type="h" for="ch" forName="childText" refType="primFontSz" refFor="des" refForName="parentText" fact="0.7"/>
+      <dgm:constr type="primFontSz" for="des" forName="parentText" val="65"/>
+      <dgm:constr type="primFontSz" for="ch" forName="childText" refType="primFontSz" refFor="des" refForName="parentText"/>
+      <dgm:constr type="tMarg" for="ch" forName="childText" refType="primFontSz" refFor="des" refForName="parentText" fact="1.64"/>
+      <dgm:constr type="tMarg" for="ch" forName="childText" refType="h" refFor="des" refForName="parentText" op="lte" fact="3.28"/>
+      <dgm:constr type="tMarg" for="ch" forName="childText" refType="h" refFor="des" refForName="parentText" op="gte" fact="3.28"/>
+      <dgm:constr type="lMarg" for="ch" forName="childText" refType="w" fact="0.22"/>
+      <dgm:constr type="rMarg" for="ch" forName="childText" refType="lMarg" refFor="ch" refForName="childText"/>
+      <dgm:constr type="lMarg" for="des" forName="parentText" refType="w" fact="0.075"/>
+      <dgm:constr type="rMarg" for="des" forName="parentText" refType="lMarg" refFor="des" refForName="parentText"/>
+      <dgm:constr type="h" for="ch" forName="spaceBetweenRectangles" refType="primFontSz" refFor="des" refForName="parentText" fact="0.15"/>
+    </dgm:constrLst>
+    <dgm:ruleLst>
+      <dgm:rule type="primFontSz" for="des" forName="parentText" val="5" fact="NaN" max="NaN"/>
+    </dgm:ruleLst>
+    <dgm:forEach name="Name3" axis="ch" ptType="node">
+      <dgm:layoutNode name="parentLin">
+        <dgm:choose name="Name4">
+          <dgm:if name="Name5" func="var" arg="dir" op="equ" val="norm">
+            <dgm:alg type="lin">
+              <dgm:param type="linDir" val="fromL"/>
+              <dgm:param type="horzAlign" val="l"/>
+              <dgm:param type="nodeHorzAlign" val="l"/>
+            </dgm:alg>
+          </dgm:if>
+          <dgm:else name="Name6">
+            <dgm:alg type="lin">
+              <dgm:param type="linDir" val="fromR"/>
+              <dgm:param type="horzAlign" val="r"/>
+              <dgm:param type="nodeHorzAlign" val="r"/>
+            </dgm:alg>
+          </dgm:else>
+        </dgm:choose>
+        <dgm:shape xmlns:r="http://schemas.openxmlformats.org/officeDocument/2006/relationships" r:blip="">
+          <dgm:adjLst/>
+        </dgm:shape>
+        <dgm:presOf/>
+        <dgm:constrLst/>
+        <dgm:ruleLst/>
+        <dgm:layoutNode name="parentLeftMargin">
+          <dgm:alg type="sp"/>
+          <dgm:shape xmlns:r="http://schemas.openxmlformats.org/officeDocument/2006/relationships" type="rect" r:blip="" hideGeom="1">
+            <dgm:adjLst/>
+          </dgm:shape>
+          <dgm:presOf axis="self"/>
+          <dgm:constrLst>
+            <dgm:constr type="h"/>
+          </dgm:constrLst>
+          <dgm:ruleLst/>
+        </dgm:layoutNode>
+        <dgm:layoutNode name="parentText" styleLbl="node1">
+          <dgm:varLst>
+            <dgm:chMax val="0"/>
+            <dgm:bulletEnabled val="1"/>
+          </dgm:varLst>
+          <dgm:choose name="Name7">
+            <dgm:if name="Name8" func="var" arg="dir" op="equ" val="norm">
+              <dgm:alg type="tx">
+                <dgm:param type="parTxLTRAlign" val="l"/>
+                <dgm:param type="parTxRTLAlign" val="l"/>
+              </dgm:alg>
+            </dgm:if>
+            <dgm:else name="Name9">
+              <dgm:alg type="tx">
+                <dgm:param type="parTxLTRAlign" val="r"/>
+                <dgm:param type="parTxRTLAlign" val="r"/>
+              </dgm:alg>
+            </dgm:else>
+          </dgm:choose>
+          <dgm:shape xmlns:r="http://schemas.openxmlformats.org/officeDocument/2006/relationships" type="roundRect" r:blip="">
+            <dgm:adjLst/>
+          </dgm:shape>
+          <dgm:presOf axis="self" ptType="node"/>
+          <dgm:constrLst>
+            <dgm:constr type="tMarg"/>
+            <dgm:constr type="bMarg"/>
+          </dgm:constrLst>
+          <dgm:ruleLst/>
+        </dgm:layoutNode>
+      </dgm:layoutNode>
+      <dgm:layoutNode name="negativeSpace">
+        <dgm:alg type="sp"/>
+        <dgm:shape xmlns:r="http://schemas.openxmlformats.org/officeDocument/2006/relationships" r:blip="">
+          <dgm:adjLst/>
+        </dgm:shape>
+        <dgm:presOf/>
+        <dgm:constrLst/>
+        <dgm:ruleLst/>
+      </dgm:layoutNode>
+      <dgm:layoutNode name="childText" styleLbl="conFgAcc1">
+        <dgm:varLst>
+          <dgm:bulletEnabled val="1"/>
+        </dgm:varLst>
+        <dgm:alg type="tx">
+          <dgm:param type="stBulletLvl" val="1"/>
+        </dgm:alg>
+        <dgm:shape xmlns:r="http://schemas.openxmlformats.org/officeDocument/2006/relationships" type="rect" r:blip="" zOrderOff="-2">
+          <dgm:adjLst/>
+        </dgm:shape>
+        <dgm:presOf axis="des" ptType="node"/>
+        <dgm:constrLst>
+          <dgm:constr type="secFontSz" refType="primFontSz"/>
+        </dgm:constrLst>
+        <dgm:ruleLst>
+          <dgm:rule type="h" val="INF" fact="NaN" max="NaN"/>
+        </dgm:ruleLst>
+      </dgm:layoutNode>
+      <dgm:forEach name="Name10" axis="followSib" ptType="sibTrans" cnt="1">
+        <dgm:layoutNode name="spaceBetweenRectangles">
+          <dgm:alg type="sp"/>
+          <dgm:shape xmlns:r="http://schemas.openxmlformats.org/officeDocument/2006/relationships" r:blip="">
+            <dgm:adjLst/>
+          </dgm:shape>
+          <dgm:presOf/>
+          <dgm:constrLst/>
+          <dgm:ruleLst/>
+        </dgm:layoutNode>
+      </dgm:forEach>
+    </dgm:forEach>
+  </dgm:layoutNode>
+</dgm:layoutDef>
+</file>
+
+<file path=ppt/diagrams/quickStyle1.xml><?xml version="1.0" encoding="utf-8"?>
+<dgm:styleDef xmlns:dgm="http://schemas.openxmlformats.org/drawingml/2006/diagram" xmlns:a="http://schemas.openxmlformats.org/drawingml/2006/main" uniqueId="urn:microsoft.com/office/officeart/2005/8/quickstyle/simple1">
+  <dgm:title val=""/>
+  <dgm:desc val=""/>
+  <dgm:catLst>
+    <dgm:cat type="simple" pri="10100"/>
+  </dgm:catLst>
+  <dgm:scene3d>
+    <a:camera prst="orthographicFront"/>
+    <a:lightRig rig="threePt" dir="t"/>
+  </dgm:scene3d>
+  <dgm:styleLbl name="node0">
+    <dgm:scene3d>
+      <a:camera prst="orthographicFront"/>
+      <a:lightRig rig="threePt" dir="t"/>
+    </dgm:scene3d>
+    <dgm:sp3d/>
+    <dgm:txPr/>
+    <dgm:style>
+      <a:lnRef idx="2">
+        <a:scrgbClr r="0" g="0" b="0"/>
+      </a:lnRef>
+      <a:fillRef idx="1">
+        <a:scrgbClr r="0" g="0" b="0"/>
+      </a:fillRef>
+      <a:effectRef idx="0">
+        <a:scrgbClr r="0" g="0" b="0"/>
+      </a:effectRef>
+      <a:fontRef idx="minor">
+        <a:schemeClr val="lt1"/>
+      </a:fontRef>
+    </dgm:style>
+  </dgm:styleLbl>
+  <dgm:styleLbl name="lnNode1">
+    <dgm:scene3d>
+      <a:camera prst="orthographicFront"/>
+      <a:lightRig rig="threePt" dir="t"/>
+    </dgm:scene3d>
+    <dgm:sp3d/>
+    <dgm:txPr/>
+    <dgm:style>
+      <a:lnRef idx="2">
+        <a:scrgbClr r="0" g="0" b="0"/>
+      </a:lnRef>
+      <a:fillRef idx="1">
+        <a:scrgbClr r="0" g="0" b="0"/>
+      </a:fillRef>
+      <a:effectRef idx="0">
+        <a:scrgbClr r="0" g="0" b="0"/>
+      </a:effectRef>
+      <a:fontRef idx="minor">
+        <a:schemeClr val="lt1"/>
+      </a:fontRef>
+    </dgm:style>
+  </dgm:styleLbl>
+  <dgm:styleLbl name="vennNode1">
+    <dgm:scene3d>
+      <a:camera prst="orthographicFront"/>
+      <a:lightRig rig="threePt" dir="t"/>
+    </dgm:scene3d>
+    <dgm:sp3d/>
+    <dgm:txPr/>
+    <dgm:style>
+      <a:lnRef idx="2">
+        <a:scrgbClr r="0" g="0" b="0"/>
+      </a:lnRef>
+      <a:fillRef idx="1">
+        <a:scrgbClr r="0" g="0" b="0"/>
+      </a:fillRef>
+      <a:effectRef idx="0">
+        <a:scrgbClr r="0" g="0" b="0"/>
+      </a:effectRef>
+      <a:fontRef idx="minor">
+        <a:schemeClr val="tx1"/>
+      </a:fontRef>
+    </dgm:style>
+  </dgm:styleLbl>
+  <dgm:styleLbl name="alignNode1">
+    <dgm:scene3d>
+      <a:camera prst="orthographicFront"/>
+      <a:lightRig rig="threePt" dir="t"/>
+    </dgm:scene3d>
+    <dgm:sp3d/>
+    <dgm:txPr/>
+    <dgm:style>
+      <a:lnRef idx="2">
+        <a:scrgbClr r="0" g="0" b="0"/>
+      </a:lnRef>
+      <a:fillRef idx="1">
+        <a:scrgbClr r="0" g="0" b="0"/>
+      </a:fillRef>
+      <a:effectRef idx="0">
+        <a:scrgbClr r="0" g="0" b="0"/>
+      </a:effectRef>
+      <a:fontRef idx="minor">
+        <a:schemeClr val="lt1"/>
+      </a:fontRef>
+    </dgm:style>
+  </dgm:styleLbl>
+  <dgm:styleLbl name="node1">
+    <dgm:scene3d>
+      <a:camera prst="orthographicFront"/>
+      <a:lightRig rig="threePt" dir="t"/>
+    </dgm:scene3d>
+    <dgm:sp3d/>
+    <dgm:txPr/>
+    <dgm:style>
+      <a:lnRef idx="2">
+        <a:scrgbClr r="0" g="0" b="0"/>
+      </a:lnRef>
+      <a:fillRef idx="1">
+        <a:scrgbClr r="0" g="0" b="0"/>
+      </a:fillRef>
+      <a:effectRef idx="0">
+        <a:scrgbClr r="0" g="0" b="0"/>
+      </a:effectRef>
+      <a:fontRef idx="minor">
+        <a:schemeClr val="lt1"/>
+      </a:fontRef>
+    </dgm:style>
+  </dgm:styleLbl>
+  <dgm:styleLbl name="node2">
+    <dgm:scene3d>
+      <a:camera prst="orthographicFront"/>
+      <a:lightRig rig="threePt" dir="t"/>
+    </dgm:scene3d>
+    <dgm:sp3d/>
+    <dgm:txPr/>
+    <dgm:style>
+      <a:lnRef idx="2">
+        <a:scrgbClr r="0" g="0" b="0"/>
+      </a:lnRef>
+      <a:fillRef idx="1">
+        <a:scrgbClr r="0" g="0" b="0"/>
+      </a:fillRef>
+      <a:effectRef idx="0">
+        <a:scrgbClr r="0" g="0" b="0"/>
+      </a:effectRef>
+      <a:fontRef idx="minor">
+        <a:schemeClr val="lt1"/>
+      </a:fontRef>
+    </dgm:style>
+  </dgm:styleLbl>
+  <dgm:styleLbl name="node3">
+    <dgm:scene3d>
+      <a:camera prst="orthographicFront"/>
+      <a:lightRig rig="threePt" dir="t"/>
+    </dgm:scene3d>
+    <dgm:sp3d/>
+    <dgm:txPr/>
+    <dgm:style>
+      <a:lnRef idx="2">
+        <a:scrgbClr r="0" g="0" b="0"/>
+      </a:lnRef>
+      <a:fillRef idx="1">
+        <a:scrgbClr r="0" g="0" b="0"/>
+      </a:fillRef>
+      <a:effectRef idx="0">
+        <a:scrgbClr r="0" g="0" b="0"/>
+      </a:effectRef>
+      <a:fontRef idx="minor">
+        <a:schemeClr val="lt1"/>
+      </a:fontRef>
+    </dgm:style>
+  </dgm:styleLbl>
+  <dgm:styleLbl name="node4">
+    <dgm:scene3d>
+      <a:camera prst="orthographicFront"/>
+      <a:lightRig rig="threePt" dir="t"/>
+    </dgm:scene3d>
+    <dgm:sp3d/>
+    <dgm:txPr/>
+    <dgm:style>
+      <a:lnRef idx="2">
+        <a:scrgbClr r="0" g="0" b="0"/>
+      </a:lnRef>
+      <a:fillRef idx="1">
+        <a:scrgbClr r="0" g="0" b="0"/>
+      </a:fillRef>
+      <a:effectRef idx="0">
+        <a:scrgbClr r="0" g="0" b="0"/>
+      </a:effectRef>
+      <a:fontRef idx="minor">
+        <a:schemeClr val="lt1"/>
+      </a:fontRef>
+    </dgm:style>
+  </dgm:styleLbl>
+  <dgm:styleLbl name="fgImgPlace1">
+    <dgm:scene3d>
+      <a:camera prst="orthographicFront"/>
+      <a:lightRig rig="threePt" dir="t"/>
+    </dgm:scene3d>
+    <dgm:sp3d/>
+    <dgm:txPr/>
+    <dgm:style>
+      <a:lnRef idx="2">
+        <a:scrgbClr r="0" g="0" b="0"/>
+      </a:lnRef>
+      <a:fillRef idx="1">
+        <a:scrgbClr r="0" g="0" b="0"/>
+      </a:fillRef>
+      <a:effectRef idx="0">
+        <a:scrgbClr r="0" g="0" b="0"/>
+      </a:effectRef>
+      <a:fontRef idx="minor"/>
+    </dgm:style>
+  </dgm:styleLbl>
+  <dgm:styleLbl name="alignImgPlace1">
+    <dgm:scene3d>
+      <a:camera prst="orthographicFront"/>
+      <a:lightRig rig="threePt" dir="t"/>
+    </dgm:scene3d>
+    <dgm:sp3d/>
+    <dgm:txPr/>
+    <dgm:style>
+      <a:lnRef idx="2">
+        <a:scrgbClr r="0" g="0" b="0"/>
+      </a:lnRef>
+      <a:fillRef idx="1">
+        <a:scrgbClr r="0" g="0" b="0"/>
+      </a:fillRef>
+      <a:effectRef idx="0">
+        <a:scrgbClr r="0" g="0" b="0"/>
+      </a:effectRef>
+      <a:fontRef idx="minor"/>
+    </dgm:style>
+  </dgm:styleLbl>
+  <dgm:styleLbl name="bgImgPlace1">
+    <dgm:scene3d>
+      <a:camera prst="orthographicFront"/>
+      <a:lightRig rig="threePt" dir="t"/>
+    </dgm:scene3d>
+    <dgm:sp3d/>
+    <dgm:txPr/>
+    <dgm:style>
+      <a:lnRef idx="2">
+        <a:scrgbClr r="0" g="0" b="0"/>
+      </a:lnRef>
+      <a:fillRef idx="1">
+        <a:scrgbClr r="0" g="0" b="0"/>
+      </a:fillRef>
+      <a:effectRef idx="0">
+        <a:scrgbClr r="0" g="0" b="0"/>
+      </a:effectRef>
+      <a:fontRef idx="minor"/>
+    </dgm:style>
+  </dgm:styleLbl>
+  <dgm:styleLbl name="sibTrans2D1">
+    <dgm:scene3d>
+      <a:camera prst="orthographicFront"/>
+      <a:lightRig rig="threePt" dir="t"/>
+    </dgm:scene3d>
+    <dgm:sp3d/>
+    <dgm:txPr/>
+    <dgm:style>
+      <a:lnRef idx="0">
+        <a:scrgbClr r="0" g="0" b="0"/>
+      </a:lnRef>
+      <a:fillRef idx="1">
+        <a:scrgbClr r="0" g="0" b="0"/>
+      </a:fillRef>
+      <a:effectRef idx="0">
+        <a:scrgbClr r="0" g="0" b="0"/>
+      </a:effectRef>
+      <a:fontRef idx="minor">
+        <a:schemeClr val="lt1"/>
+      </a:fontRef>
+    </dgm:style>
+  </dgm:styleLbl>
+  <dgm:styleLbl name="fgSibTrans2D1">
+    <dgm:scene3d>
+      <a:camera prst="orthographicFront"/>
+      <a:lightRig rig="threePt" dir="t"/>
+    </dgm:scene3d>
+    <dgm:sp3d/>
+    <dgm:txPr/>
+    <dgm:style>
+      <a:lnRef idx="0">
+        <a:scrgbClr r="0" g="0" b="0"/>
+      </a:lnRef>
+      <a:fillRef idx="1">
+        <a:scrgbClr r="0" g="0" b="0"/>
+      </a:fillRef>
+      <a:effectRef idx="0">
+        <a:scrgbClr r="0" g="0" b="0"/>
+      </a:effectRef>
+      <a:fontRef idx="minor">
+        <a:schemeClr val="lt1"/>
+      </a:fontRef>
+    </dgm:style>
+  </dgm:styleLbl>
+  <dgm:styleLbl name="bgSibTrans2D1">
+    <dgm:scene3d>
+      <a:camera prst="orthographicFront"/>
+      <a:lightRig rig="threePt" dir="t"/>
+    </dgm:scene3d>
+    <dgm:sp3d/>
+    <dgm:txPr/>
+    <dgm:style>
+      <a:lnRef idx="0">
+        <a:scrgbClr r="0" g="0" b="0"/>
+      </a:lnRef>
+      <a:fillRef idx="1">
+        <a:scrgbClr r="0" g="0" b="0"/>
+      </a:fillRef>
+      <a:effectRef idx="0">
+        <a:scrgbClr r="0" g="0" b="0"/>
+      </a:effectRef>
+      <a:fontRef idx="minor">
+        <a:schemeClr val="lt1"/>
+      </a:fontRef>
+    </dgm:style>
+  </dgm:styleLbl>
+  <dgm:styleLbl name="sibTrans1D1">
+    <dgm:scene3d>
+      <a:camera prst="orthographicFront"/>
+      <a:lightRig rig="threePt" dir="t"/>
+    </dgm:scene3d>
+    <dgm:sp3d/>
+    <dgm:txPr/>
+    <dgm:style>
+      <a:lnRef idx="1">
+        <a:scrgbClr r="0" g="0" b="0"/>
+      </a:lnRef>
+      <a:fillRef idx="0">
+        <a:scrgbClr r="0" g="0" b="0"/>
+      </a:fillRef>
+      <a:effectRef idx="0">
+        <a:scrgbClr r="0" g="0" b="0"/>
+      </a:effectRef>
+      <a:fontRef idx="minor"/>
+    </dgm:style>
+  </dgm:styleLbl>
+  <dgm:styleLbl name="callout">
+    <dgm:scene3d>
+      <a:camera prst="orthographicFront"/>
+      <a:lightRig rig="threePt" dir="t"/>
+    </dgm:scene3d>
+    <dgm:sp3d/>
+    <dgm:txPr/>
+    <dgm:style>
+      <a:lnRef idx="2">
+        <a:scrgbClr r="0" g="0" b="0"/>
+      </a:lnRef>
+      <a:fillRef idx="1">
+        <a:scrgbClr r="0" g="0" b="0"/>
+      </a:fillRef>
+      <a:effectRef idx="0">
+        <a:scrgbClr r="0" g="0" b="0"/>
+      </a:effectRef>
+      <a:fontRef idx="minor"/>
+    </dgm:style>
+  </dgm:styleLbl>
+  <dgm:styleLbl name="asst0">
+    <dgm:scene3d>
+      <a:camera prst="orthographicFront"/>
+      <a:lightRig rig="threePt" dir="t"/>
+    </dgm:scene3d>
+    <dgm:sp3d/>
+    <dgm:txPr/>
+    <dgm:style>
+      <a:lnRef idx="2">
+        <a:scrgbClr r="0" g="0" b="0"/>
+      </a:lnRef>
+      <a:fillRef idx="1">
+        <a:scrgbClr r="0" g="0" b="0"/>
+      </a:fillRef>
+      <a:effectRef idx="0">
+        <a:scrgbClr r="0" g="0" b="0"/>
+      </a:effectRef>
+      <a:fontRef idx="minor">
+        <a:schemeClr val="lt1"/>
+      </a:fontRef>
+    </dgm:style>
+  </dgm:styleLbl>
+  <dgm:styleLbl name="asst1">
+    <dgm:scene3d>
+      <a:camera prst="orthographicFront"/>
+      <a:lightRig rig="threePt" dir="t"/>
+    </dgm:scene3d>
+    <dgm:sp3d/>
+    <dgm:txPr/>
+    <dgm:style>
+      <a:lnRef idx="2">
+        <a:scrgbClr r="0" g="0" b="0"/>
+      </a:lnRef>
+      <a:fillRef idx="1">
+        <a:scrgbClr r="0" g="0" b="0"/>
+      </a:fillRef>
+      <a:effectRef idx="0">
+        <a:scrgbClr r="0" g="0" b="0"/>
+      </a:effectRef>
+      <a:fontRef idx="minor">
+        <a:schemeClr val="lt1"/>
+      </a:fontRef>
+    </dgm:style>
+  </dgm:styleLbl>
+  <dgm:styleLbl name="asst2">
+    <dgm:scene3d>
+      <a:camera prst="orthographicFront"/>
+      <a:lightRig rig="threePt" dir="t"/>
+    </dgm:scene3d>
+    <dgm:sp3d/>
+    <dgm:txPr/>
+    <dgm:style>
+      <a:lnRef idx="2">
+        <a:scrgbClr r="0" g="0" b="0"/>
+      </a:lnRef>
+      <a:fillRef idx="1">
+        <a:scrgbClr r="0" g="0" b="0"/>
+      </a:fillRef>
+      <a:effectRef idx="0">
+        <a:scrgbClr r="0" g="0" b="0"/>
+      </a:effectRef>
+      <a:fontRef idx="minor">
+        <a:schemeClr val="lt1"/>
+      </a:fontRef>
+    </dgm:style>
+  </dgm:styleLbl>
+  <dgm:styleLbl name="asst3">
+    <dgm:scene3d>
+      <a:camera prst="orthographicFront"/>
+      <a:lightRig rig="threePt" dir="t"/>
+    </dgm:scene3d>
+    <dgm:sp3d/>
+    <dgm:txPr/>
+    <dgm:style>
+      <a:lnRef idx="2">
+        <a:scrgbClr r="0" g="0" b="0"/>
+      </a:lnRef>
+      <a:fillRef idx="1">
+        <a:scrgbClr r="0" g="0" b="0"/>
+      </a:fillRef>
+      <a:effectRef idx="0">
+        <a:scrgbClr r="0" g="0" b="0"/>
+      </a:effectRef>
+      <a:fontRef idx="minor">
+        <a:schemeClr val="lt1"/>
+      </a:fontRef>
+    </dgm:style>
+  </dgm:styleLbl>
+  <dgm:styleLbl name="asst4">
+    <dgm:scene3d>
+      <a:camera prst="orthographicFront"/>
+      <a:lightRig rig="threePt" dir="t"/>
+    </dgm:scene3d>
+    <dgm:sp3d/>
+    <dgm:txPr/>
+    <dgm:style>
+      <a:lnRef idx="2">
+        <a:scrgbClr r="0" g="0" b="0"/>
+      </a:lnRef>
+      <a:fillRef idx="1">
+        <a:scrgbClr r="0" g="0" b="0"/>
+      </a:fillRef>
+      <a:effectRef idx="0">
+        <a:scrgbClr r="0" g="0" b="0"/>
+      </a:effectRef>
+      <a:fontRef idx="minor">
+        <a:schemeClr val="lt1"/>
+      </a:fontRef>
+    </dgm:style>
+  </dgm:styleLbl>
+  <dgm:styleLbl name="parChTrans2D1">
+    <dgm:scene3d>
+      <a:camera prst="orthographicFront"/>
+      <a:lightRig rig="threePt" dir="t"/>
+    </dgm:scene3d>
+    <dgm:sp3d/>
+    <dgm:txPr/>
+    <dgm:style>
+      <a:lnRef idx="2">
+        <a:scrgbClr r="0" g="0" b="0"/>
+      </a:lnRef>
+      <a:fillRef idx="1">
+        <a:scrgbClr r="0" g="0" b="0"/>
+      </a:fillRef>
+      <a:effectRef idx="0">
+        <a:scrgbClr r="0" g="0" b="0"/>
+      </a:effectRef>
+      <a:fontRef idx="minor">
+        <a:schemeClr val="lt1"/>
+      </a:fontRef>
+    </dgm:style>
+  </dgm:styleLbl>
+  <dgm:styleLbl name="parChTrans2D2">
+    <dgm:scene3d>
+      <a:camera prst="orthographicFront"/>
+      <a:lightRig rig="threePt" dir="t"/>
+    </dgm:scene3d>
+    <dgm:sp3d/>
+    <dgm:txPr/>
+    <dgm:style>
+      <a:lnRef idx="2">
+        <a:scrgbClr r="0" g="0" b="0"/>
+      </a:lnRef>
+      <a:fillRef idx="1">
+        <a:scrgbClr r="0" g="0" b="0"/>
+      </a:fillRef>
+      <a:effectRef idx="0">
+        <a:scrgbClr r="0" g="0" b="0"/>
+      </a:effectRef>
+      <a:fontRef idx="minor">
+        <a:schemeClr val="lt1"/>
+      </a:fontRef>
+    </dgm:style>
+  </dgm:styleLbl>
+  <dgm:styleLbl name="parChTrans2D3">
+    <dgm:scene3d>
+      <a:camera prst="orthographicFront"/>
+      <a:lightRig rig="threePt" dir="t"/>
+    </dgm:scene3d>
+    <dgm:sp3d/>
+    <dgm:txPr/>
+    <dgm:style>
+      <a:lnRef idx="2">
+        <a:scrgbClr r="0" g="0" b="0"/>
+      </a:lnRef>
+      <a:fillRef idx="1">
+        <a:scrgbClr r="0" g="0" b="0"/>
+      </a:fillRef>
+      <a:effectRef idx="0">
+        <a:scrgbClr r="0" g="0" b="0"/>
+      </a:effectRef>
+      <a:fontRef idx="minor">
+        <a:schemeClr val="lt1"/>
+      </a:fontRef>
+    </dgm:style>
+  </dgm:styleLbl>
+  <dgm:styleLbl name="parChTrans2D4">
+    <dgm:scene3d>
+      <a:camera prst="orthographicFront"/>
+      <a:lightRig rig="threePt" dir="t"/>
+    </dgm:scene3d>
+    <dgm:sp3d/>
+    <dgm:txPr/>
+    <dgm:style>
+      <a:lnRef idx="2">
+        <a:scrgbClr r="0" g="0" b="0"/>
+      </a:lnRef>
+      <a:fillRef idx="1">
+        <a:scrgbClr r="0" g="0" b="0"/>
+      </a:fillRef>
+      <a:effectRef idx="0">
+        <a:scrgbClr r="0" g="0" b="0"/>
+      </a:effectRef>
+      <a:fontRef idx="minor">
+        <a:schemeClr val="lt1"/>
+      </a:fontRef>
+    </dgm:style>
+  </dgm:styleLbl>
+  <dgm:styleLbl name="parChTrans1D1">
+    <dgm:scene3d>
+      <a:camera prst="orthographicFront"/>
+      <a:lightRig rig="threePt" dir="t"/>
+    </dgm:scene3d>
+    <dgm:sp3d/>
+    <dgm:txPr/>
+    <dgm:style>
+      <a:lnRef idx="2">
+        <a:scrgbClr r="0" g="0" b="0"/>
+      </a:lnRef>
+      <a:fillRef idx="0">
+        <a:scrgbClr r="0" g="0" b="0"/>
+      </a:fillRef>
+      <a:effectRef idx="0">
+        <a:scrgbClr r="0" g="0" b="0"/>
+      </a:effectRef>
+      <a:fontRef idx="minor"/>
+    </dgm:style>
+  </dgm:styleLbl>
+  <dgm:styleLbl name="parChTrans1D2">
+    <dgm:scene3d>
+      <a:camera prst="orthographicFront"/>
+      <a:lightRig rig="threePt" dir="t"/>
+    </dgm:scene3d>
+    <dgm:sp3d/>
+    <dgm:txPr/>
+    <dgm:style>
+      <a:lnRef idx="2">
+        <a:scrgbClr r="0" g="0" b="0"/>
+      </a:lnRef>
+      <a:fillRef idx="0">
+        <a:scrgbClr r="0" g="0" b="0"/>
+      </a:fillRef>
+      <a:effectRef idx="0">
+        <a:scrgbClr r="0" g="0" b="0"/>
+      </a:effectRef>
+      <a:fontRef idx="minor"/>
+    </dgm:style>
+  </dgm:styleLbl>
+  <dgm:styleLbl name="parChTrans1D3">
+    <dgm:scene3d>
+      <a:camera prst="orthographicFront"/>
+      <a:lightRig rig="threePt" dir="t"/>
+    </dgm:scene3d>
+    <dgm:sp3d/>
+    <dgm:txPr/>
+    <dgm:style>
+      <a:lnRef idx="2">
+        <a:scrgbClr r="0" g="0" b="0"/>
+      </a:lnRef>
+      <a:fillRef idx="0">
+        <a:scrgbClr r="0" g="0" b="0"/>
+      </a:fillRef>
+      <a:effectRef idx="0">
+        <a:scrgbClr r="0" g="0" b="0"/>
+      </a:effectRef>
+      <a:fontRef idx="minor"/>
+    </dgm:style>
+  </dgm:styleLbl>
+  <dgm:styleLbl name="parChTrans1D4">
+    <dgm:scene3d>
+      <a:camera prst="orthographicFront"/>
+      <a:lightRig rig="threePt" dir="t"/>
+    </dgm:scene3d>
+    <dgm:sp3d/>
+    <dgm:txPr/>
+    <dgm:style>
+      <a:lnRef idx="2">
+        <a:scrgbClr r="0" g="0" b="0"/>
+      </a:lnRef>
+      <a:fillRef idx="0">
+        <a:scrgbClr r="0" g="0" b="0"/>
+      </a:fillRef>
+      <a:effectRef idx="0">
+        <a:scrgbClr r="0" g="0" b="0"/>
+      </a:effectRef>
+      <a:fontRef idx="minor"/>
+    </dgm:style>
+  </dgm:styleLbl>
+  <dgm:styleLbl name="fgAcc1">
+    <dgm:scene3d>
+      <a:camera prst="orthographicFront"/>
+      <a:lightRig rig="threePt" dir="t"/>
+    </dgm:scene3d>
+    <dgm:sp3d/>
+    <dgm:txPr/>
+    <dgm:style>
+      <a:lnRef idx="2">
+        <a:scrgbClr r="0" g="0" b="0"/>
+      </a:lnRef>
+      <a:fillRef idx="1">
+        <a:scrgbClr r="0" g="0" b="0"/>
+      </a:fillRef>
+      <a:effectRef idx="0">
+        <a:scrgbClr r="0" g="0" b="0"/>
+      </a:effectRef>
+      <a:fontRef idx="minor"/>
+    </dgm:style>
+  </dgm:styleLbl>
+  <dgm:styleLbl name="conFgAcc1">
+    <dgm:scene3d>
+      <a:camera prst="orthographicFront"/>
+      <a:lightRig rig="threePt" dir="t"/>
+    </dgm:scene3d>
+    <dgm:sp3d/>
+    <dgm:txPr/>
+    <dgm:style>
+      <a:lnRef idx="2">
+        <a:scrgbClr r="0" g="0" b="0"/>
+      </a:lnRef>
+      <a:fillRef idx="1">
+        <a:scrgbClr r="0" g="0" b="0"/>
+      </a:fillRef>
+      <a:effectRef idx="0">
+        <a:scrgbClr r="0" g="0" b="0"/>
+      </a:effectRef>
+      <a:fontRef idx="minor"/>
+    </dgm:style>
+  </dgm:styleLbl>
+  <dgm:styleLbl name="alignAcc1">
+    <dgm:scene3d>
+      <a:camera prst="orthographicFront"/>
+      <a:lightRig rig="threePt" dir="t"/>
+    </dgm:scene3d>
+    <dgm:sp3d/>
+    <dgm:txPr/>
+    <dgm:style>
+      <a:lnRef idx="2">
+        <a:scrgbClr r="0" g="0" b="0"/>
+      </a:lnRef>
+      <a:fillRef idx="1">
+        <a:scrgbClr r="0" g="0" b="0"/>
+      </a:fillRef>
+      <a:effectRef idx="0">
+        <a:scrgbClr r="0" g="0" b="0"/>
+      </a:effectRef>
+      <a:fontRef idx="minor"/>
+    </dgm:style>
+  </dgm:styleLbl>
+  <dgm:styleLbl name="trAlignAcc1">
+    <dgm:scene3d>
+      <a:camera prst="orthographicFront"/>
+      <a:lightRig rig="threePt" dir="t"/>
+    </dgm:scene3d>
+    <dgm:sp3d/>
+    <dgm:txPr/>
+    <dgm:style>
+      <a:lnRef idx="1">
+        <a:scrgbClr r="0" g="0" b="0"/>
+      </a:lnRef>
+      <a:fillRef idx="1">
+        <a:scrgbClr r="0" g="0" b="0"/>
+      </a:fillRef>
+      <a:effectRef idx="0">
+        <a:scrgbClr r="0" g="0" b="0"/>
+      </a:effectRef>
+      <a:fontRef idx="minor"/>
+    </dgm:style>
+  </dgm:styleLbl>
+  <dgm:styleLbl name="bgAcc1">
+    <dgm:scene3d>
+      <a:camera prst="orthographicFront"/>
+      <a:lightRig rig="threePt" dir="t"/>
+    </dgm:scene3d>
+    <dgm:sp3d/>
+    <dgm:txPr/>
+    <dgm:style>
+      <a:lnRef idx="2">
+        <a:scrgbClr r="0" g="0" b="0"/>
+      </a:lnRef>
+      <a:fillRef idx="1">
+        <a:scrgbClr r="0" g="0" b="0"/>
+      </a:fillRef>
+      <a:effectRef idx="0">
+        <a:scrgbClr r="0" g="0" b="0"/>
+      </a:effectRef>
+      <a:fontRef idx="minor"/>
+    </dgm:style>
+  </dgm:styleLbl>
+  <dgm:styleLbl name="solidFgAcc1">
+    <dgm:scene3d>
+      <a:camera prst="orthographicFront"/>
+      <a:lightRig rig="threePt" dir="t"/>
+    </dgm:scene3d>
+    <dgm:sp3d/>
+    <dgm:txPr/>
+    <dgm:style>
+      <a:lnRef idx="2">
+        <a:scrgbClr r="0" g="0" b="0"/>
+      </a:lnRef>
+      <a:fillRef idx="1">
+        <a:scrgbClr r="0" g="0" b="0"/>
+      </a:fillRef>
+      <a:effectRef idx="0">
+        <a:scrgbClr r="0" g="0" b="0"/>
+      </a:effectRef>
+      <a:fontRef idx="minor"/>
+    </dgm:style>
+  </dgm:styleLbl>
+  <dgm:styleLbl name="solidAlignAcc1">
+    <dgm:scene3d>
+      <a:camera prst="orthographicFront"/>
+      <a:lightRig rig="threePt" dir="t"/>
+    </dgm:scene3d>
+    <dgm:sp3d/>
+    <dgm:txPr/>
+    <dgm:style>
+      <a:lnRef idx="2">
+        <a:scrgbClr r="0" g="0" b="0"/>
+      </a:lnRef>
+      <a:fillRef idx="1">
+        <a:scrgbClr r="0" g="0" b="0"/>
+      </a:fillRef>
+      <a:effectRef idx="0">
+        <a:scrgbClr r="0" g="0" b="0"/>
+      </a:effectRef>
+      <a:fontRef idx="minor"/>
+    </dgm:style>
+  </dgm:styleLbl>
+  <dgm:styleLbl name="solidBgAcc1">
+    <dgm:scene3d>
+      <a:camera prst="orthographicFront"/>
+      <a:lightRig rig="threePt" dir="t"/>
+    </dgm:scene3d>
+    <dgm:sp3d/>
+    <dgm:txPr/>
+    <dgm:style>
+      <a:lnRef idx="2">
+        <a:scrgbClr r="0" g="0" b="0"/>
+      </a:lnRef>
+      <a:fillRef idx="1">
+        <a:scrgbClr r="0" g="0" b="0"/>
+      </a:fillRef>
+      <a:effectRef idx="0">
+        <a:scrgbClr r="0" g="0" b="0"/>
+      </a:effectRef>
+      <a:fontRef idx="minor"/>
+    </dgm:style>
+  </dgm:styleLbl>
+  <dgm:styleLbl name="fgAccFollowNode1">
+    <dgm:scene3d>
+      <a:camera prst="orthographicFront"/>
+      <a:lightRig rig="threePt" dir="t"/>
+    </dgm:scene3d>
+    <dgm:sp3d/>
+    <dgm:txPr/>
+    <dgm:style>
+      <a:lnRef idx="2">
+        <a:scrgbClr r="0" g="0" b="0"/>
+      </a:lnRef>
+      <a:fillRef idx="1">
+        <a:scrgbClr r="0" g="0" b="0"/>
+      </a:fillRef>
+      <a:effectRef idx="0">
+        <a:scrgbClr r="0" g="0" b="0"/>
+      </a:effectRef>
+      <a:fontRef idx="minor"/>
+    </dgm:style>
+  </dgm:styleLbl>
+  <dgm:styleLbl name="alignAccFollowNode1">
+    <dgm:scene3d>
+      <a:camera prst="orthographicFront"/>
+      <a:lightRig rig="threePt" dir="t"/>
+    </dgm:scene3d>
+    <dgm:sp3d/>
+    <dgm:txPr/>
+    <dgm:style>
+      <a:lnRef idx="2">
+        <a:scrgbClr r="0" g="0" b="0"/>
+      </a:lnRef>
+      <a:fillRef idx="1">
+        <a:scrgbClr r="0" g="0" b="0"/>
+      </a:fillRef>
+      <a:effectRef idx="0">
+        <a:scrgbClr r="0" g="0" b="0"/>
+      </a:effectRef>
+      <a:fontRef idx="minor"/>
+    </dgm:style>
+  </dgm:styleLbl>
+  <dgm:styleLbl name="bgAccFollowNode1">
+    <dgm:scene3d>
+      <a:camera prst="orthographicFront"/>
+      <a:lightRig rig="threePt" dir="t"/>
+    </dgm:scene3d>
+    <dgm:sp3d/>
+    <dgm:txPr/>
+    <dgm:style>
+      <a:lnRef idx="2">
+        <a:scrgbClr r="0" g="0" b="0"/>
+      </a:lnRef>
+      <a:fillRef idx="1">
+        <a:scrgbClr r="0" g="0" b="0"/>
+      </a:fillRef>
+      <a:effectRef idx="0">
+        <a:scrgbClr r="0" g="0" b="0"/>
+      </a:effectRef>
+      <a:fontRef idx="minor"/>
+    </dgm:style>
+  </dgm:styleLbl>
+  <dgm:styleLbl name="fgAcc0">
+    <dgm:scene3d>
+      <a:camera prst="orthographicFront"/>
+      <a:lightRig rig="threePt" dir="t"/>
+    </dgm:scene3d>
+    <dgm:sp3d/>
+    <dgm:txPr/>
+    <dgm:style>
+      <a:lnRef idx="2">
+        <a:scrgbClr r="0" g="0" b="0"/>
+      </a:lnRef>
+      <a:fillRef idx="1">
+        <a:scrgbClr r="0" g="0" b="0"/>
+      </a:fillRef>
+      <a:effectRef idx="0">
+        <a:scrgbClr r="0" g="0" b="0"/>
+      </a:effectRef>
+      <a:fontRef idx="minor"/>
+    </dgm:style>
+  </dgm:styleLbl>
+  <dgm:styleLbl name="fgAcc2">
+    <dgm:scene3d>
+      <a:camera prst="orthographicFront"/>
+      <a:lightRig rig="threePt" dir="t"/>
+    </dgm:scene3d>
+    <dgm:sp3d/>
+    <dgm:txPr/>
+    <dgm:style>
+      <a:lnRef idx="2">
+        <a:scrgbClr r="0" g="0" b="0"/>
+      </a:lnRef>
+      <a:fillRef idx="1">
+        <a:scrgbClr r="0" g="0" b="0"/>
+      </a:fillRef>
+      <a:effectRef idx="0">
+        <a:scrgbClr r="0" g="0" b="0"/>
+      </a:effectRef>
+      <a:fontRef idx="minor"/>
+    </dgm:style>
+  </dgm:styleLbl>
+  <dgm:styleLbl name="fgAcc3">
+    <dgm:scene3d>
+      <a:camera prst="orthographicFront"/>
+      <a:lightRig rig="threePt" dir="t"/>
+    </dgm:scene3d>
+    <dgm:sp3d/>
+    <dgm:txPr/>
+    <dgm:style>
+      <a:lnRef idx="2">
+        <a:scrgbClr r="0" g="0" b="0"/>
+      </a:lnRef>
+      <a:fillRef idx="1">
+        <a:scrgbClr r="0" g="0" b="0"/>
+      </a:fillRef>
+      <a:effectRef idx="0">
+        <a:scrgbClr r="0" g="0" b="0"/>
+      </a:effectRef>
+      <a:fontRef idx="minor"/>
+    </dgm:style>
+  </dgm:styleLbl>
+  <dgm:styleLbl name="fgAcc4">
+    <dgm:scene3d>
+      <a:camera prst="orthographicFront"/>
+      <a:lightRig rig="threePt" dir="t"/>
+    </dgm:scene3d>
+    <dgm:sp3d/>
+    <dgm:txPr/>
+    <dgm:style>
+      <a:lnRef idx="2">
+        <a:scrgbClr r="0" g="0" b="0"/>
+      </a:lnRef>
+      <a:fillRef idx="1">
+        <a:scrgbClr r="0" g="0" b="0"/>
+      </a:fillRef>
+      <a:effectRef idx="0">
+        <a:scrgbClr r="0" g="0" b="0"/>
+      </a:effectRef>
+      <a:fontRef idx="minor"/>
+    </dgm:style>
+  </dgm:styleLbl>
+  <dgm:styleLbl name="bgShp">
+    <dgm:scene3d>
+      <a:camera prst="orthographicFront"/>
+      <a:lightRig rig="threePt" dir="t"/>
+    </dgm:scene3d>
+    <dgm:sp3d/>
+    <dgm:txPr/>
+    <dgm:style>
+      <a:lnRef idx="0">
+        <a:scrgbClr r="0" g="0" b="0"/>
+      </a:lnRef>
+      <a:fillRef idx="1">
+        <a:scrgbClr r="0" g="0" b="0"/>
+      </a:fillRef>
+      <a:effectRef idx="0">
+        <a:scrgbClr r="0" g="0" b="0"/>
+      </a:effectRef>
+      <a:fontRef idx="minor"/>
+    </dgm:style>
+  </dgm:styleLbl>
+  <dgm:styleLbl name="dkBgShp">
+    <dgm:scene3d>
+      <a:camera prst="orthographicFront"/>
+      <a:lightRig rig="threePt" dir="t"/>
+    </dgm:scene3d>
+    <dgm:sp3d/>
+    <dgm:txPr/>
+    <dgm:style>
+      <a:lnRef idx="0">
+        <a:scrgbClr r="0" g="0" b="0"/>
+      </a:lnRef>
+      <a:fillRef idx="1">
+        <a:scrgbClr r="0" g="0" b="0"/>
+      </a:fillRef>
+      <a:effectRef idx="0">
+        <a:scrgbClr r="0" g="0" b="0"/>
+      </a:effectRef>
+      <a:fontRef idx="minor"/>
+    </dgm:style>
+  </dgm:styleLbl>
+  <dgm:styleLbl name="trBgShp">
+    <dgm:scene3d>
+      <a:camera prst="orthographicFront"/>
+      <a:lightRig rig="threePt" dir="t"/>
+    </dgm:scene3d>
+    <dgm:sp3d/>
+    <dgm:txPr/>
+    <dgm:style>
+      <a:lnRef idx="0">
+        <a:scrgbClr r="0" g="0" b="0"/>
+      </a:lnRef>
+      <a:fillRef idx="1">
+        <a:scrgbClr r="0" g="0" b="0"/>
+      </a:fillRef>
+      <a:effectRef idx="0">
+        <a:scrgbClr r="0" g="0" b="0"/>
+      </a:effectRef>
+      <a:fontRef idx="minor"/>
+    </dgm:style>
+  </dgm:styleLbl>
+  <dgm:styleLbl name="fgShp">
+    <dgm:scene3d>
+      <a:camera prst="orthographicFront"/>
+      <a:lightRig rig="threePt" dir="t"/>
+    </dgm:scene3d>
+    <dgm:sp3d/>
+    <dgm:txPr/>
+    <dgm:style>
+      <a:lnRef idx="2">
+        <a:scrgbClr r="0" g="0" b="0"/>
+      </a:lnRef>
+      <a:fillRef idx="1">
+        <a:scrgbClr r="0" g="0" b="0"/>
+      </a:fillRef>
+      <a:effectRef idx="0">
+        <a:scrgbClr r="0" g="0" b="0"/>
+      </a:effectRef>
+      <a:fontRef idx="minor"/>
+    </dgm:style>
+  </dgm:styleLbl>
+  <dgm:styleLbl name="revTx">
+    <dgm:scene3d>
+      <a:camera prst="orthographicFront"/>
+      <a:lightRig rig="threePt" dir="t"/>
+    </dgm:scene3d>
+    <dgm:sp3d/>
+    <dgm:txPr/>
+    <dgm:style>
+      <a:lnRef idx="0">
+        <a:scrgbClr r="0" g="0" b="0"/>
+      </a:lnRef>
+      <a:fillRef idx="0">
+        <a:scrgbClr r="0" g="0" b="0"/>
+      </a:fillRef>
+      <a:effectRef idx="0">
+        <a:scrgbClr r="0" g="0" b="0"/>
+      </a:effectRef>
+      <a:fontRef idx="minor"/>
+    </dgm:style>
+  </dgm:styleLbl>
+</dgm:styleDef>
+</file>
+
 <file path=ppt/handoutMasters/handoutMaster1.xml><?xml version="1.0" encoding="utf-8"?>
 <p:handoutMaster xmlns:a="http://schemas.openxmlformats.org/drawingml/2006/main" xmlns:r="http://schemas.openxmlformats.org/officeDocument/2006/relationships" xmlns:p="http://schemas.openxmlformats.org/presentationml/2006/main">
   <p:cSld>
@@ -267,7 +3716,7 @@
               <a:rPr lang="en-US" smtClean="0">
                 <a:latin typeface="Segoe UI" pitchFamily="34" charset="0"/>
               </a:rPr>
-              <a:t>6/1/2017 12:26 AM</a:t>
+              <a:t>6/4/2017 1:05 AM</a:t>
             </a:fld>
             <a:endParaRPr lang="en-US" dirty="0">
               <a:latin typeface="Segoe UI" pitchFamily="34" charset="0"/>
@@ -545,7 +3994,7 @@
           <a:p>
             <a:fld id="{5A9E72A3-73C3-4EC0-976B-555052BC0BC2}" type="datetime8">
               <a:rPr lang="en-US" smtClean="0"/>
-              <a:t>6/1/2017 12:25 AM</a:t>
+              <a:t>6/3/2017 11:16 PM</a:t>
             </a:fld>
             <a:endParaRPr lang="en-US" dirty="0"/>
           </a:p>
@@ -951,7 +4400,7 @@
                 <a:tabLst/>
                 <a:defRPr/>
               </a:pPr>
-              <a:t>6/1/2017 12:26 AM</a:t>
+              <a:t>6/3/2017 11:16 PM</a:t>
             </a:fld>
             <a:endParaRPr kumimoji="0" lang="en-US" sz="1200" b="0" i="0" u="none" strike="noStrike" kern="1200" cap="none" spc="0" normalizeH="0" baseline="0" noProof="0" dirty="0">
               <a:ln>
@@ -1309,7 +4758,7 @@
                 <a:tabLst/>
                 <a:defRPr/>
               </a:pPr>
-              <a:t>6/1/2017 12:26 AM</a:t>
+              <a:t>6/3/2017 11:16 PM</a:t>
             </a:fld>
             <a:endParaRPr kumimoji="0" lang="en-US" sz="1200" b="0" i="0" u="none" strike="noStrike" kern="1200" cap="none" spc="0" normalizeH="0" baseline="0" noProof="0" dirty="0">
               <a:ln>
@@ -1392,7 +4841,7 @@
                 <a:tabLst/>
                 <a:defRPr/>
               </a:pPr>
-              <a:t>2</a:t>
+              <a:t>3</a:t>
             </a:fld>
             <a:endParaRPr kumimoji="0" lang="en-US" sz="1200" b="0" i="0" u="none" strike="noStrike" kern="1200" cap="none" spc="0" normalizeH="0" baseline="0" noProof="0" dirty="0">
               <a:ln>
@@ -1682,7 +5131,7 @@
                 <a:tabLst/>
                 <a:defRPr/>
               </a:pPr>
-              <a:t>6/1/2017 12:26 AM</a:t>
+              <a:t>6/3/2017 11:16 PM</a:t>
             </a:fld>
             <a:endParaRPr kumimoji="0" lang="en-US" sz="1200" b="0" i="0" u="none" strike="noStrike" kern="1200" cap="none" spc="0" normalizeH="0" baseline="0" noProof="0" dirty="0">
               <a:ln>
@@ -1765,7 +5214,7 @@
                 <a:tabLst/>
                 <a:defRPr/>
               </a:pPr>
-              <a:t>3</a:t>
+              <a:t>4</a:t>
             </a:fld>
             <a:endParaRPr kumimoji="0" lang="en-US" sz="1200" b="0" i="0" u="none" strike="noStrike" kern="1200" cap="none" spc="0" normalizeH="0" baseline="0" noProof="0" dirty="0">
               <a:ln>
@@ -14695,6 +18144,99 @@
       </p:grpSpPr>
       <p:sp>
         <p:nvSpPr>
+          <p:cNvPr id="13" name="Title 12"/>
+          <p:cNvSpPr>
+            <a:spLocks noGrp="1"/>
+          </p:cNvSpPr>
+          <p:nvPr>
+            <p:ph type="title"/>
+          </p:nvPr>
+        </p:nvSpPr>
+        <p:spPr/>
+        <p:txBody>
+          <a:bodyPr/>
+          <a:lstStyle/>
+          <a:p>
+            <a:r>
+              <a:rPr lang="en-US" dirty="0"/>
+              <a:t>HOL </a:t>
+            </a:r>
+            <a:r>
+              <a:rPr lang="en-US" dirty="0" err="1"/>
+              <a:t>AuthN</a:t>
+            </a:r>
+            <a:r>
+              <a:rPr lang="en-US" dirty="0"/>
+              <a:t> &amp; </a:t>
+            </a:r>
+            <a:r>
+              <a:rPr lang="en-US" dirty="0" err="1"/>
+              <a:t>AuthZ</a:t>
+            </a:r>
+            <a:r>
+              <a:rPr lang="en-US" dirty="0"/>
+              <a:t> Challenge</a:t>
+            </a:r>
+          </a:p>
+        </p:txBody>
+      </p:sp>
+      <p:graphicFrame>
+        <p:nvGraphicFramePr>
+          <p:cNvPr id="14" name="Diagram 13"/>
+          <p:cNvGraphicFramePr/>
+          <p:nvPr>
+            <p:extLst>
+              <p:ext uri="{D42A27DB-BD31-4B8C-83A1-F6EECF244321}">
+                <p14:modId xmlns:p14="http://schemas.microsoft.com/office/powerpoint/2010/main" val="2426354117"/>
+              </p:ext>
+            </p:extLst>
+          </p:nvPr>
+        </p:nvGraphicFramePr>
+        <p:xfrm>
+          <a:off x="655638" y="1212848"/>
+          <a:ext cx="10972800" cy="5103813"/>
+        </p:xfrm>
+        <a:graphic>
+          <a:graphicData uri="http://schemas.openxmlformats.org/drawingml/2006/diagram">
+            <dgm:relIds xmlns:dgm="http://schemas.openxmlformats.org/drawingml/2006/diagram" xmlns:r="http://schemas.openxmlformats.org/officeDocument/2006/relationships" r:dm="rId2" r:lo="rId3" r:qs="rId4" r:cs="rId5"/>
+          </a:graphicData>
+        </a:graphic>
+      </p:graphicFrame>
+    </p:spTree>
+    <p:extLst>
+      <p:ext uri="{BB962C8B-B14F-4D97-AF65-F5344CB8AC3E}">
+        <p14:creationId xmlns:p14="http://schemas.microsoft.com/office/powerpoint/2010/main" val="3158727480"/>
+      </p:ext>
+    </p:extLst>
+  </p:cSld>
+  <p:clrMapOvr>
+    <a:masterClrMapping/>
+  </p:clrMapOvr>
+  <p:transition>
+    <p:fade/>
+  </p:transition>
+</p:sld>
+</file>
+
+<file path=ppt/slides/slide3.xml><?xml version="1.0" encoding="utf-8"?>
+<p:sld xmlns:a="http://schemas.openxmlformats.org/drawingml/2006/main" xmlns:r="http://schemas.openxmlformats.org/officeDocument/2006/relationships" xmlns:p="http://schemas.openxmlformats.org/presentationml/2006/main">
+  <p:cSld>
+    <p:spTree>
+      <p:nvGrpSpPr>
+        <p:cNvPr id="1" name=""/>
+        <p:cNvGrpSpPr/>
+        <p:nvPr/>
+      </p:nvGrpSpPr>
+      <p:grpSpPr>
+        <a:xfrm>
+          <a:off x="0" y="0"/>
+          <a:ext cx="0" cy="0"/>
+          <a:chOff x="0" y="0"/>
+          <a:chExt cx="0" cy="0"/>
+        </a:xfrm>
+      </p:grpSpPr>
+      <p:sp>
+        <p:nvSpPr>
           <p:cNvPr id="2" name="Title 1"/>
           <p:cNvSpPr>
             <a:spLocks noGrp="1"/>
@@ -14755,7 +18297,7 @@
 </p:sld>
 </file>
 
-<file path=ppt/slides/slide3.xml><?xml version="1.0" encoding="utf-8"?>
+<file path=ppt/slides/slide4.xml><?xml version="1.0" encoding="utf-8"?>
 <p:sld xmlns:a="http://schemas.openxmlformats.org/drawingml/2006/main" xmlns:r="http://schemas.openxmlformats.org/officeDocument/2006/relationships" xmlns:p="http://schemas.openxmlformats.org/presentationml/2006/main">
   <p:cSld>
     <p:spTree>
@@ -15968,6 +19510,21 @@
 </file>
 
 <file path=customXml/item1.xml><?xml version="1.0" encoding="utf-8"?>
+<?mso-contentType ?>
+<FormTemplates xmlns="http://schemas.microsoft.com/sharepoint/v3/contenttype/forms">
+  <Display>DocumentLibraryForm</Display>
+  <Edit>DocumentLibraryForm</Edit>
+  <New>DocumentLibraryForm</New>
+</FormTemplates>
+</file>
+
+<file path=customXml/item2.xml><?xml version="1.0" encoding="utf-8"?>
+<p:properties xmlns:p="http://schemas.microsoft.com/office/2006/metadata/properties" xmlns:xsi="http://www.w3.org/2001/XMLSchema-instance" xmlns:pc="http://schemas.microsoft.com/office/infopath/2007/PartnerControls">
+  <documentManagement/>
+</p:properties>
+</file>
+
+<file path=customXml/item3.xml><?xml version="1.0" encoding="utf-8"?>
 <ct:contentTypeSchema xmlns:ct="http://schemas.microsoft.com/office/2006/metadata/contentType" xmlns:ma="http://schemas.microsoft.com/office/2006/metadata/properties/metaAttributes" ct:_="" ma:_="" ma:contentTypeName="Document" ma:contentTypeID="0x010100A2B0BB5962AB3C45A9A1CE1EC4C4F647" ma:contentTypeVersion="3" ma:contentTypeDescription="Create a new document." ma:contentTypeScope="" ma:versionID="f0876370c90de824ab54c09b0bd2a056">
   <xsd:schema xmlns:xsd="http://www.w3.org/2001/XMLSchema" xmlns:xs="http://www.w3.org/2001/XMLSchema" xmlns:p="http://schemas.microsoft.com/office/2006/metadata/properties" xmlns:ns3="630a2e83-186a-4a0f-ab27-bee8a8096abc" targetNamespace="http://schemas.microsoft.com/office/2006/metadata/properties" ma:root="true" ma:fieldsID="a2a3b5ed8b4accd7c8a398d0cb075271" ns3:_="">
     <xsd:import namespace="630a2e83-186a-4a0f-ab27-bee8a8096abc"/>
@@ -16121,35 +19678,10 @@
 </ct:contentTypeSchema>
 </file>
 
-<file path=customXml/item2.xml><?xml version="1.0" encoding="utf-8"?>
-<p:properties xmlns:p="http://schemas.microsoft.com/office/2006/metadata/properties" xmlns:xsi="http://www.w3.org/2001/XMLSchema-instance" xmlns:pc="http://schemas.microsoft.com/office/infopath/2007/PartnerControls">
-  <documentManagement/>
-</p:properties>
-</file>
-
-<file path=customXml/item3.xml><?xml version="1.0" encoding="utf-8"?>
-<?mso-contentType ?>
-<FormTemplates xmlns="http://schemas.microsoft.com/sharepoint/v3/contenttype/forms">
-  <Display>DocumentLibraryForm</Display>
-  <Edit>DocumentLibraryForm</Edit>
-  <New>DocumentLibraryForm</New>
-</FormTemplates>
-</file>
-
 <file path=customXml/itemProps1.xml><?xml version="1.0" encoding="utf-8"?>
-<ds:datastoreItem xmlns:ds="http://schemas.openxmlformats.org/officeDocument/2006/customXml" ds:itemID="{F4553072-E538-48C4-90FC-3653F32D67C5}">
+<ds:datastoreItem xmlns:ds="http://schemas.openxmlformats.org/officeDocument/2006/customXml" ds:itemID="{758FDAC0-319D-4A54-8D8E-1D42CB1F8004}">
   <ds:schemaRefs>
-    <ds:schemaRef ds:uri="http://schemas.microsoft.com/office/2006/metadata/contentType"/>
-    <ds:schemaRef ds:uri="http://schemas.microsoft.com/office/2006/metadata/properties/metaAttributes"/>
-    <ds:schemaRef ds:uri="http://www.w3.org/2001/XMLSchema"/>
-    <ds:schemaRef ds:uri="http://schemas.microsoft.com/office/2006/metadata/properties"/>
-    <ds:schemaRef ds:uri="630a2e83-186a-4a0f-ab27-bee8a8096abc"/>
-    <ds:schemaRef ds:uri="http://schemas.microsoft.com/office/2006/documentManagement/types"/>
-    <ds:schemaRef ds:uri="http://schemas.microsoft.com/office/infopath/2007/PartnerControls"/>
-    <ds:schemaRef ds:uri="http://schemas.openxmlformats.org/package/2006/metadata/core-properties"/>
-    <ds:schemaRef ds:uri="http://purl.org/dc/elements/1.1/"/>
-    <ds:schemaRef ds:uri="http://purl.org/dc/terms/"/>
-    <ds:schemaRef ds:uri="http://schemas.microsoft.com/internal/obd"/>
+    <ds:schemaRef ds:uri="http://schemas.microsoft.com/sharepoint/v3/contenttype/forms"/>
   </ds:schemaRefs>
 </ds:datastoreItem>
 </file>
@@ -16171,9 +19703,19 @@
 </file>
 
 <file path=customXml/itemProps3.xml><?xml version="1.0" encoding="utf-8"?>
-<ds:datastoreItem xmlns:ds="http://schemas.openxmlformats.org/officeDocument/2006/customXml" ds:itemID="{758FDAC0-319D-4A54-8D8E-1D42CB1F8004}">
+<ds:datastoreItem xmlns:ds="http://schemas.openxmlformats.org/officeDocument/2006/customXml" ds:itemID="{F4553072-E538-48C4-90FC-3653F32D67C5}">
   <ds:schemaRefs>
-    <ds:schemaRef ds:uri="http://schemas.microsoft.com/sharepoint/v3/contenttype/forms"/>
+    <ds:schemaRef ds:uri="http://schemas.microsoft.com/office/2006/metadata/contentType"/>
+    <ds:schemaRef ds:uri="http://schemas.microsoft.com/office/2006/metadata/properties/metaAttributes"/>
+    <ds:schemaRef ds:uri="http://www.w3.org/2001/XMLSchema"/>
+    <ds:schemaRef ds:uri="http://schemas.microsoft.com/office/2006/metadata/properties"/>
+    <ds:schemaRef ds:uri="630a2e83-186a-4a0f-ab27-bee8a8096abc"/>
+    <ds:schemaRef ds:uri="http://schemas.microsoft.com/office/2006/documentManagement/types"/>
+    <ds:schemaRef ds:uri="http://schemas.microsoft.com/office/infopath/2007/PartnerControls"/>
+    <ds:schemaRef ds:uri="http://schemas.openxmlformats.org/package/2006/metadata/core-properties"/>
+    <ds:schemaRef ds:uri="http://purl.org/dc/elements/1.1/"/>
+    <ds:schemaRef ds:uri="http://purl.org/dc/terms/"/>
+    <ds:schemaRef ds:uri="http://schemas.microsoft.com/internal/obd"/>
   </ds:schemaRefs>
 </ds:datastoreItem>
 </file>